--- a/DATA WAREHOUSE DE UM CINEMA.pptx
+++ b/DATA WAREHOUSE DE UM CINEMA.pptx
@@ -14,6 +14,7 @@
     <p:sldId id="264" r:id="rId9"/>
     <p:sldId id="266" r:id="rId10"/>
     <p:sldId id="267" r:id="rId11"/>
+    <p:sldId id="268" r:id="rId12"/>
   </p:sldIdLst>
   <p:sldSz cx="12192000" cy="6858000"/>
   <p:notesSz cx="6858000" cy="9144000"/>
@@ -2731,6 +2732,60 @@
 </p:sld>
 </file>
 
+<file path=ppt/slides/slide10.xml><?xml version="1.0" encoding="utf-8"?>
+<p:sld xmlns:a="http://schemas.openxmlformats.org/drawingml/2006/main" xmlns:r="http://schemas.openxmlformats.org/officeDocument/2006/relationships" xmlns:p="http://schemas.openxmlformats.org/presentationml/2006/main">
+  <p:cSld>
+    <p:spTree>
+      <p:nvGrpSpPr>
+        <p:cNvPr id="1" name=""/>
+        <p:cNvGrpSpPr/>
+        <p:nvPr/>
+      </p:nvGrpSpPr>
+      <p:grpSpPr/>
+      <p:sp>
+        <p:nvSpPr>
+          <p:cNvPr id="2" name="Título 1"/>
+          <p:cNvSpPr>
+            <a:spLocks noGrp="1"/>
+          </p:cNvSpPr>
+          <p:nvPr>
+            <p:ph type="title"/>
+          </p:nvPr>
+        </p:nvSpPr>
+        <p:spPr/>
+        <p:txBody>
+          <a:bodyPr/>
+          <a:p>
+            <a:endParaRPr lang="pt-BR" altLang="en-US"/>
+          </a:p>
+        </p:txBody>
+      </p:sp>
+      <p:sp>
+        <p:nvSpPr>
+          <p:cNvPr id="3" name="Espaço Reservado para Conteúdo 2"/>
+          <p:cNvSpPr>
+            <a:spLocks noGrp="1"/>
+          </p:cNvSpPr>
+          <p:nvPr>
+            <p:ph idx="1"/>
+          </p:nvPr>
+        </p:nvSpPr>
+        <p:spPr/>
+        <p:txBody>
+          <a:bodyPr/>
+          <a:p>
+            <a:endParaRPr lang="pt-BR" altLang="en-US"/>
+          </a:p>
+        </p:txBody>
+      </p:sp>
+    </p:spTree>
+  </p:cSld>
+  <p:clrMapOvr>
+    <a:masterClrMapping/>
+  </p:clrMapOvr>
+</p:sld>
+</file>
+
 <file path=ppt/slides/slide2.xml><?xml version="1.0" encoding="utf-8"?>
 <p:sld xmlns:a="http://schemas.openxmlformats.org/drawingml/2006/main" xmlns:r="http://schemas.openxmlformats.org/officeDocument/2006/relationships" xmlns:p="http://schemas.openxmlformats.org/presentationml/2006/main">
   <p:cSld>

--- a/DATA WAREHOUSE DE UM CINEMA.pptx
+++ b/DATA WAREHOUSE DE UM CINEMA.pptx
@@ -15,6 +15,9 @@
     <p:sldId id="266" r:id="rId10"/>
     <p:sldId id="267" r:id="rId11"/>
     <p:sldId id="268" r:id="rId12"/>
+    <p:sldId id="269" r:id="rId13"/>
+    <p:sldId id="271" r:id="rId14"/>
+    <p:sldId id="272" r:id="rId15"/>
   </p:sldIdLst>
   <p:sldSz cx="12192000" cy="6858000"/>
   <p:notesSz cx="6858000" cy="9144000"/>
@@ -2756,8 +2759,246 @@
         <p:txBody>
           <a:bodyPr/>
           <a:p>
+            <a:pPr algn="ctr"/>
+            <a:r>
+              <a:rPr lang="en-US" altLang="pt-BR"/>
+              <a:t>AGREGADOS</a:t>
+            </a:r>
+            <a:endParaRPr lang="en-US" altLang="pt-BR"/>
+          </a:p>
+        </p:txBody>
+      </p:sp>
+      <p:sp>
+        <p:nvSpPr>
+          <p:cNvPr id="3" name="Espaço Reservado para Conteúdo 2"/>
+          <p:cNvSpPr>
+            <a:spLocks noGrp="1"/>
+          </p:cNvSpPr>
+          <p:nvPr>
+            <p:ph idx="1"/>
+          </p:nvPr>
+        </p:nvSpPr>
+        <p:spPr/>
+        <p:txBody>
+          <a:bodyPr/>
+          <a:p>
+            <a:pPr marL="0" indent="0">
+              <a:buNone/>
+            </a:pPr>
+            <a:r>
+              <a:rPr lang="pt-BR" altLang="en-US"/>
+              <a:t>G</a:t>
+            </a:r>
+            <a:r>
+              <a:rPr lang="en-US" altLang="pt-BR"/>
+              <a:t>RANULARIDADE</a:t>
+            </a:r>
             <a:endParaRPr lang="pt-BR" altLang="en-US"/>
           </a:p>
+          <a:p>
+            <a:pPr marL="0" indent="0">
+              <a:buNone/>
+            </a:pPr>
+            <a:endParaRPr lang="pt-BR" altLang="en-US"/>
+          </a:p>
+          <a:p>
+            <a:pPr marL="0" indent="0">
+              <a:buNone/>
+            </a:pPr>
+            <a:r>
+              <a:rPr lang="pt-BR" altLang="en-US"/>
+              <a:t>Uma linha da tabela do agregado fato produto representa a venda de produtos por plataforma, em um determinado mês de um determinado ano.</a:t>
+            </a:r>
+            <a:endParaRPr lang="pt-BR" altLang="en-US"/>
+          </a:p>
+          <a:p>
+            <a:pPr marL="0" indent="0">
+              <a:buNone/>
+            </a:pPr>
+            <a:endParaRPr lang="pt-BR" altLang="en-US"/>
+          </a:p>
+          <a:p>
+            <a:pPr marL="0" indent="0">
+              <a:buNone/>
+            </a:pPr>
+            <a:r>
+              <a:rPr lang="pt-BR" altLang="en-US"/>
+              <a:t>Uma linha da tabela do agregado fato ingresso representa a venda de ingressos por plataforma, em um determinado mês de um determinado ano.</a:t>
+            </a:r>
+            <a:endParaRPr lang="pt-BR" altLang="en-US"/>
+          </a:p>
+        </p:txBody>
+      </p:sp>
+    </p:spTree>
+  </p:cSld>
+  <p:clrMapOvr>
+    <a:masterClrMapping/>
+  </p:clrMapOvr>
+</p:sld>
+</file>
+
+<file path=ppt/slides/slide11.xml><?xml version="1.0" encoding="utf-8"?>
+<p:sld xmlns:a="http://schemas.openxmlformats.org/drawingml/2006/main" xmlns:r="http://schemas.openxmlformats.org/officeDocument/2006/relationships" xmlns:p="http://schemas.openxmlformats.org/presentationml/2006/main">
+  <p:cSld>
+    <p:spTree>
+      <p:nvGrpSpPr>
+        <p:cNvPr id="1" name=""/>
+        <p:cNvGrpSpPr/>
+        <p:nvPr/>
+      </p:nvGrpSpPr>
+      <p:grpSpPr/>
+      <p:sp>
+        <p:nvSpPr>
+          <p:cNvPr id="2" name="Título 1"/>
+          <p:cNvSpPr>
+            <a:spLocks noGrp="1"/>
+          </p:cNvSpPr>
+          <p:nvPr>
+            <p:ph type="title"/>
+          </p:nvPr>
+        </p:nvSpPr>
+        <p:spPr/>
+        <p:txBody>
+          <a:bodyPr/>
+          <a:p>
+            <a:pPr algn="ctr"/>
+            <a:r>
+              <a:rPr lang="en-US" altLang="pt-BR"/>
+              <a:t>ESQUEMA LÓGICO DO AGREGADO PRODUTO</a:t>
+            </a:r>
+            <a:endParaRPr lang="en-US" altLang="pt-BR"/>
+          </a:p>
+        </p:txBody>
+      </p:sp>
+      <p:pic>
+        <p:nvPicPr>
+          <p:cNvPr id="4" name="Espaço Reservado para Conteúdo 3" descr="agregado_produto"/>
+          <p:cNvPicPr>
+            <a:picLocks noChangeAspect="1"/>
+          </p:cNvPicPr>
+          <p:nvPr>
+            <p:ph idx="1"/>
+          </p:nvPr>
+        </p:nvPicPr>
+        <p:blipFill>
+          <a:blip r:embed="rId1"/>
+          <a:stretch>
+            <a:fillRect/>
+          </a:stretch>
+        </p:blipFill>
+        <p:spPr>
+          <a:xfrm>
+            <a:off x="837565" y="1403350"/>
+            <a:ext cx="10516870" cy="5212080"/>
+          </a:xfrm>
+          <a:prstGeom prst="rect">
+            <a:avLst/>
+          </a:prstGeom>
+        </p:spPr>
+      </p:pic>
+    </p:spTree>
+  </p:cSld>
+  <p:clrMapOvr>
+    <a:masterClrMapping/>
+  </p:clrMapOvr>
+</p:sld>
+</file>
+
+<file path=ppt/slides/slide12.xml><?xml version="1.0" encoding="utf-8"?>
+<p:sld xmlns:a="http://schemas.openxmlformats.org/drawingml/2006/main" xmlns:r="http://schemas.openxmlformats.org/officeDocument/2006/relationships" xmlns:p="http://schemas.openxmlformats.org/presentationml/2006/main">
+  <p:cSld>
+    <p:spTree>
+      <p:nvGrpSpPr>
+        <p:cNvPr id="1" name=""/>
+        <p:cNvGrpSpPr/>
+        <p:nvPr/>
+      </p:nvGrpSpPr>
+      <p:grpSpPr/>
+      <p:sp>
+        <p:nvSpPr>
+          <p:cNvPr id="2" name="Título 1"/>
+          <p:cNvSpPr>
+            <a:spLocks noGrp="1"/>
+          </p:cNvSpPr>
+          <p:nvPr>
+            <p:ph type="title"/>
+          </p:nvPr>
+        </p:nvSpPr>
+        <p:spPr/>
+        <p:txBody>
+          <a:bodyPr/>
+          <a:p>
+            <a:pPr algn="ctr"/>
+            <a:r>
+              <a:rPr lang="en-US" altLang="pt-BR">
+                <a:sym typeface="+mn-ea"/>
+              </a:rPr>
+              <a:t>ESQUEMA LÓGICO DO AGREGADO INGRESSO</a:t>
+            </a:r>
+            <a:endParaRPr lang="pt-BR" altLang="en-US"/>
+          </a:p>
+        </p:txBody>
+      </p:sp>
+      <p:pic>
+        <p:nvPicPr>
+          <p:cNvPr id="4" name="Espaço Reservado para Conteúdo 3" descr="agregado_ingresso"/>
+          <p:cNvPicPr>
+            <a:picLocks noChangeAspect="1"/>
+          </p:cNvPicPr>
+          <p:nvPr>
+            <p:ph idx="1"/>
+          </p:nvPr>
+        </p:nvPicPr>
+        <p:blipFill>
+          <a:blip r:embed="rId1"/>
+          <a:stretch>
+            <a:fillRect/>
+          </a:stretch>
+        </p:blipFill>
+        <p:spPr>
+          <a:xfrm>
+            <a:off x="838835" y="1297305"/>
+            <a:ext cx="10514330" cy="5378450"/>
+          </a:xfrm>
+          <a:prstGeom prst="rect">
+            <a:avLst/>
+          </a:prstGeom>
+        </p:spPr>
+      </p:pic>
+    </p:spTree>
+  </p:cSld>
+  <p:clrMapOvr>
+    <a:masterClrMapping/>
+  </p:clrMapOvr>
+</p:sld>
+</file>
+
+<file path=ppt/slides/slide13.xml><?xml version="1.0" encoding="utf-8"?>
+<p:sld xmlns:a="http://schemas.openxmlformats.org/drawingml/2006/main" xmlns:r="http://schemas.openxmlformats.org/officeDocument/2006/relationships" xmlns:p="http://schemas.openxmlformats.org/presentationml/2006/main">
+  <p:cSld>
+    <p:spTree>
+      <p:nvGrpSpPr>
+        <p:cNvPr id="1" name=""/>
+        <p:cNvGrpSpPr/>
+        <p:nvPr/>
+      </p:nvGrpSpPr>
+      <p:grpSpPr/>
+      <p:sp>
+        <p:nvSpPr>
+          <p:cNvPr id="2" name="Título 1"/>
+          <p:cNvSpPr>
+            <a:spLocks noGrp="1"/>
+          </p:cNvSpPr>
+          <p:nvPr>
+            <p:ph type="title"/>
+          </p:nvPr>
+        </p:nvSpPr>
+        <p:spPr/>
+        <p:txBody>
+          <a:bodyPr/>
+          <a:p>
+            <a:endParaRPr lang="pt-BR" altLang="en-US"/>
+          </a:p>
         </p:txBody>
       </p:sp>
       <p:sp>
@@ -2770,11 +3011,29 @@
             <p:ph idx="1"/>
           </p:nvPr>
         </p:nvSpPr>
-        <p:spPr/>
-        <p:txBody>
-          <a:bodyPr/>
-          <a:p>
-            <a:endParaRPr lang="pt-BR" altLang="en-US"/>
+        <p:spPr>
+          <a:xfrm>
+            <a:off x="838200" y="1811020"/>
+            <a:ext cx="10515600" cy="4351338"/>
+          </a:xfrm>
+        </p:spPr>
+        <p:txBody>
+          <a:bodyPr/>
+          <a:p>
+            <a:pPr marL="0" indent="0" algn="ctr">
+              <a:buNone/>
+            </a:pPr>
+            <a:endParaRPr lang="en-US" altLang="pt-BR" sz="5400"/>
+          </a:p>
+          <a:p>
+            <a:pPr marL="0" indent="0" algn="ctr">
+              <a:buNone/>
+            </a:pPr>
+            <a:r>
+              <a:rPr lang="en-US" altLang="pt-BR" sz="5400"/>
+              <a:t>OBRIGADO!</a:t>
+            </a:r>
+            <a:endParaRPr lang="en-US" altLang="pt-BR" sz="5400"/>
           </a:p>
         </p:txBody>
       </p:sp>

--- a/DATA WAREHOUSE DE UM CINEMA.pptx
+++ b/DATA WAREHOUSE DE UM CINEMA.pptx
@@ -4,20 +4,24 @@
   <p:sldMasterIdLst>
     <p:sldMasterId id="2147483648" r:id="rId1"/>
   </p:sldMasterIdLst>
+  <p:notesMasterIdLst>
+    <p:notesMasterId r:id="rId16"/>
+  </p:notesMasterIdLst>
   <p:sldIdLst>
     <p:sldId id="256" r:id="rId3"/>
-    <p:sldId id="258" r:id="rId4"/>
-    <p:sldId id="257" r:id="rId5"/>
-    <p:sldId id="262" r:id="rId6"/>
-    <p:sldId id="263" r:id="rId7"/>
-    <p:sldId id="260" r:id="rId8"/>
-    <p:sldId id="264" r:id="rId9"/>
-    <p:sldId id="266" r:id="rId10"/>
-    <p:sldId id="267" r:id="rId11"/>
-    <p:sldId id="268" r:id="rId12"/>
-    <p:sldId id="269" r:id="rId13"/>
-    <p:sldId id="271" r:id="rId14"/>
-    <p:sldId id="272" r:id="rId15"/>
+    <p:sldId id="273" r:id="rId4"/>
+    <p:sldId id="258" r:id="rId5"/>
+    <p:sldId id="257" r:id="rId6"/>
+    <p:sldId id="262" r:id="rId7"/>
+    <p:sldId id="263" r:id="rId8"/>
+    <p:sldId id="260" r:id="rId9"/>
+    <p:sldId id="264" r:id="rId10"/>
+    <p:sldId id="266" r:id="rId11"/>
+    <p:sldId id="267" r:id="rId12"/>
+    <p:sldId id="268" r:id="rId13"/>
+    <p:sldId id="269" r:id="rId14"/>
+    <p:sldId id="271" r:id="rId15"/>
+    <p:sldId id="272" r:id="rId17"/>
   </p:sldIdLst>
   <p:sldSz cx="12192000" cy="6858000"/>
   <p:notesSz cx="6858000" cy="9144000"/>
@@ -116,7 +120,426 @@
       </a:defRPr>
     </a:lvl9pPr>
   </p:defaultTextStyle>
+  <p:extLst>
+    <p:ext uri="{521415D9-36F7-43E2-AB2F-B90AF26B5E84}">
+      <p14:sectionLst xmlns:p14="http://schemas.microsoft.com/office/powerpoint/2010/main">
+        <p14:section name="Seção Padrão" id="{d0b87541-570c-491b-ad08-5b4b7493947a}">
+          <p14:sldIdLst>
+            <p14:sldId id="256"/>
+            <p14:sldId id="273"/>
+            <p14:sldId id="258"/>
+            <p14:sldId id="257"/>
+            <p14:sldId id="262"/>
+            <p14:sldId id="263"/>
+            <p14:sldId id="260"/>
+            <p14:sldId id="264"/>
+            <p14:sldId id="266"/>
+            <p14:sldId id="267"/>
+          </p14:sldIdLst>
+        </p14:section>
+        <p14:section name="Seção Sem Título" id="{61109349-c5ff-423d-9dc4-0f041b87b308}">
+          <p14:sldIdLst>
+            <p14:sldId id="268"/>
+            <p14:sldId id="269"/>
+            <p14:sldId id="271"/>
+            <p14:sldId id="272"/>
+          </p14:sldIdLst>
+        </p14:section>
+      </p14:sectionLst>
+    </p:ext>
+  </p:extLst>
 </p:presentation>
+</file>
+
+<file path=ppt/notesMasters/notesMaster1.xml><?xml version="1.0" encoding="utf-8"?>
+<p:notesMaster xmlns:a="http://schemas.openxmlformats.org/drawingml/2006/main" xmlns:r="http://schemas.openxmlformats.org/officeDocument/2006/relationships" xmlns:p="http://schemas.openxmlformats.org/presentationml/2006/main">
+  <p:cSld>
+    <p:bg>
+      <p:bgRef idx="1001">
+        <a:schemeClr val="bg1"/>
+      </p:bgRef>
+    </p:bg>
+    <p:spTree>
+      <p:nvGrpSpPr>
+        <p:cNvPr id="1" name=""/>
+        <p:cNvGrpSpPr/>
+        <p:nvPr/>
+      </p:nvGrpSpPr>
+      <p:grpSpPr>
+        <a:xfrm>
+          <a:off x="0" y="0"/>
+          <a:ext cx="0" cy="0"/>
+          <a:chOff x="0" y="0"/>
+          <a:chExt cx="0" cy="0"/>
+        </a:xfrm>
+      </p:grpSpPr>
+      <p:sp>
+        <p:nvSpPr>
+          <p:cNvPr id="2" name="Espaço Reservado para Cabeçalho 1"/>
+          <p:cNvSpPr>
+            <a:spLocks noGrp="1"/>
+          </p:cNvSpPr>
+          <p:nvPr>
+            <p:ph type="hdr" sz="quarter"/>
+          </p:nvPr>
+        </p:nvSpPr>
+        <p:spPr>
+          <a:xfrm>
+            <a:off x="0" y="0"/>
+            <a:ext cx="2971800" cy="458788"/>
+          </a:xfrm>
+          <a:prstGeom prst="rect">
+            <a:avLst/>
+          </a:prstGeom>
+        </p:spPr>
+        <p:txBody>
+          <a:bodyPr vert="horz" lIns="91440" tIns="45720" rIns="91440" bIns="45720" rtlCol="0"/>
+          <a:lstStyle>
+            <a:lvl1pPr algn="l">
+              <a:defRPr sz="1200"/>
+            </a:lvl1pPr>
+          </a:lstStyle>
+          <a:p>
+            <a:endParaRPr lang="pt-BR"/>
+          </a:p>
+        </p:txBody>
+      </p:sp>
+      <p:sp>
+        <p:nvSpPr>
+          <p:cNvPr id="3" name="Espaço Reservado para Data 2"/>
+          <p:cNvSpPr>
+            <a:spLocks noGrp="1"/>
+          </p:cNvSpPr>
+          <p:nvPr>
+            <p:ph type="dt" idx="1"/>
+          </p:nvPr>
+        </p:nvSpPr>
+        <p:spPr>
+          <a:xfrm>
+            <a:off x="3884613" y="0"/>
+            <a:ext cx="2971800" cy="458788"/>
+          </a:xfrm>
+          <a:prstGeom prst="rect">
+            <a:avLst/>
+          </a:prstGeom>
+        </p:spPr>
+        <p:txBody>
+          <a:bodyPr vert="horz" lIns="91440" tIns="45720" rIns="91440" bIns="45720" rtlCol="0"/>
+          <a:lstStyle>
+            <a:lvl1pPr algn="r">
+              <a:defRPr sz="1200"/>
+            </a:lvl1pPr>
+          </a:lstStyle>
+          <a:p>
+            <a:fld id="{6C70B395-2DD1-4E0C-AD7F-C33E717CE14B}" type="datetimeFigureOut">
+              <a:rPr lang="pt-BR" smtClean="0"/>
+            </a:fld>
+            <a:endParaRPr lang="pt-BR"/>
+          </a:p>
+        </p:txBody>
+      </p:sp>
+      <p:sp>
+        <p:nvSpPr>
+          <p:cNvPr id="4" name="Espaço Reservado para Imagem de Slide 3"/>
+          <p:cNvSpPr>
+            <a:spLocks noGrp="1" noRot="1" noChangeAspect="1"/>
+          </p:cNvSpPr>
+          <p:nvPr>
+            <p:ph type="sldImg" idx="2"/>
+          </p:nvPr>
+        </p:nvSpPr>
+        <p:spPr>
+          <a:xfrm>
+            <a:off x="685800" y="1143000"/>
+            <a:ext cx="5486400" cy="3086100"/>
+          </a:xfrm>
+          <a:prstGeom prst="rect">
+            <a:avLst/>
+          </a:prstGeom>
+          <a:noFill/>
+          <a:ln w="12700">
+            <a:solidFill>
+              <a:prstClr val="black"/>
+            </a:solidFill>
+          </a:ln>
+        </p:spPr>
+        <p:txBody>
+          <a:bodyPr vert="horz" lIns="91440" tIns="45720" rIns="91440" bIns="45720" rtlCol="0" anchor="ctr"/>
+          <a:lstStyle/>
+          <a:p>
+            <a:endParaRPr lang="pt-BR"/>
+          </a:p>
+        </p:txBody>
+      </p:sp>
+      <p:sp>
+        <p:nvSpPr>
+          <p:cNvPr id="5" name="Espaço Reservado para Anotações 4"/>
+          <p:cNvSpPr>
+            <a:spLocks noGrp="1"/>
+          </p:cNvSpPr>
+          <p:nvPr>
+            <p:ph type="body" sz="quarter" idx="3"/>
+          </p:nvPr>
+        </p:nvSpPr>
+        <p:spPr>
+          <a:xfrm>
+            <a:off x="685800" y="4400550"/>
+            <a:ext cx="5486400" cy="3600450"/>
+          </a:xfrm>
+          <a:prstGeom prst="rect">
+            <a:avLst/>
+          </a:prstGeom>
+        </p:spPr>
+        <p:txBody>
+          <a:bodyPr vert="horz" lIns="91440" tIns="45720" rIns="91440" bIns="45720" rtlCol="0"/>
+          <a:lstStyle/>
+          <a:p>
+            <a:pPr lvl="0"/>
+            <a:r>
+              <a:rPr lang="pt-BR" smtClean="0"/>
+              <a:t>Editar estilos de texto Mestre</a:t>
+            </a:r>
+            <a:endParaRPr lang="pt-BR" smtClean="0"/>
+          </a:p>
+          <a:p>
+            <a:pPr lvl="1"/>
+            <a:r>
+              <a:rPr lang="pt-BR" smtClean="0"/>
+              <a:t>Segundo nível</a:t>
+            </a:r>
+            <a:endParaRPr lang="pt-BR" smtClean="0"/>
+          </a:p>
+          <a:p>
+            <a:pPr lvl="2"/>
+            <a:r>
+              <a:rPr lang="pt-BR" smtClean="0"/>
+              <a:t>Terceiro nível</a:t>
+            </a:r>
+            <a:endParaRPr lang="pt-BR" smtClean="0"/>
+          </a:p>
+          <a:p>
+            <a:pPr lvl="3"/>
+            <a:r>
+              <a:rPr lang="pt-BR" smtClean="0"/>
+              <a:t>Quarto nível</a:t>
+            </a:r>
+            <a:endParaRPr lang="pt-BR" smtClean="0"/>
+          </a:p>
+          <a:p>
+            <a:pPr lvl="4"/>
+            <a:r>
+              <a:rPr lang="pt-BR" smtClean="0"/>
+              <a:t>Quinto nível</a:t>
+            </a:r>
+            <a:endParaRPr lang="pt-BR"/>
+          </a:p>
+        </p:txBody>
+      </p:sp>
+      <p:sp>
+        <p:nvSpPr>
+          <p:cNvPr id="6" name="Espaço Reservado para Rodapé 5"/>
+          <p:cNvSpPr>
+            <a:spLocks noGrp="1"/>
+          </p:cNvSpPr>
+          <p:nvPr>
+            <p:ph type="ftr" sz="quarter" idx="4"/>
+          </p:nvPr>
+        </p:nvSpPr>
+        <p:spPr>
+          <a:xfrm>
+            <a:off x="0" y="8685213"/>
+            <a:ext cx="2971800" cy="458787"/>
+          </a:xfrm>
+          <a:prstGeom prst="rect">
+            <a:avLst/>
+          </a:prstGeom>
+        </p:spPr>
+        <p:txBody>
+          <a:bodyPr vert="horz" lIns="91440" tIns="45720" rIns="91440" bIns="45720" rtlCol="0" anchor="b"/>
+          <a:lstStyle>
+            <a:lvl1pPr algn="l">
+              <a:defRPr sz="1200"/>
+            </a:lvl1pPr>
+          </a:lstStyle>
+          <a:p>
+            <a:endParaRPr lang="pt-BR"/>
+          </a:p>
+        </p:txBody>
+      </p:sp>
+      <p:sp>
+        <p:nvSpPr>
+          <p:cNvPr id="7" name="Espaço Reservado para Número de Slide 6"/>
+          <p:cNvSpPr>
+            <a:spLocks noGrp="1"/>
+          </p:cNvSpPr>
+          <p:nvPr>
+            <p:ph type="sldNum" sz="quarter" idx="5"/>
+          </p:nvPr>
+        </p:nvSpPr>
+        <p:spPr>
+          <a:xfrm>
+            <a:off x="3884613" y="8685213"/>
+            <a:ext cx="2971800" cy="458787"/>
+          </a:xfrm>
+          <a:prstGeom prst="rect">
+            <a:avLst/>
+          </a:prstGeom>
+        </p:spPr>
+        <p:txBody>
+          <a:bodyPr vert="horz" lIns="91440" tIns="45720" rIns="91440" bIns="45720" rtlCol="0" anchor="b"/>
+          <a:lstStyle>
+            <a:lvl1pPr algn="r">
+              <a:defRPr sz="1200"/>
+            </a:lvl1pPr>
+          </a:lstStyle>
+          <a:p>
+            <a:fld id="{A6666332-D461-43D9-A1C1-8FF0295CCEC5}" type="slidenum">
+              <a:rPr lang="pt-BR" smtClean="0"/>
+            </a:fld>
+            <a:endParaRPr lang="pt-BR"/>
+          </a:p>
+        </p:txBody>
+      </p:sp>
+    </p:spTree>
+  </p:cSld>
+  <p:clrMap bg1="lt1" tx1="dk1" bg2="lt2" tx2="dk2" accent1="accent1" accent2="accent2" accent3="accent3" accent4="accent4" accent5="accent5" accent6="accent6" hlink="hlink" folHlink="folHlink"/>
+  <p:notesStyle>
+    <a:lvl1pPr marL="0" algn="l" defTabSz="914400" rtl="0" eaLnBrk="1" latinLnBrk="0" hangingPunct="1">
+      <a:defRPr sz="1200" kern="1200">
+        <a:solidFill>
+          <a:schemeClr val="tx1"/>
+        </a:solidFill>
+        <a:latin typeface="+mn-lt"/>
+        <a:ea typeface="+mn-ea"/>
+        <a:cs typeface="+mn-cs"/>
+      </a:defRPr>
+    </a:lvl1pPr>
+    <a:lvl2pPr marL="457200" algn="l" defTabSz="914400" rtl="0" eaLnBrk="1" latinLnBrk="0" hangingPunct="1">
+      <a:defRPr sz="1200" kern="1200">
+        <a:solidFill>
+          <a:schemeClr val="tx1"/>
+        </a:solidFill>
+        <a:latin typeface="+mn-lt"/>
+        <a:ea typeface="+mn-ea"/>
+        <a:cs typeface="+mn-cs"/>
+      </a:defRPr>
+    </a:lvl2pPr>
+    <a:lvl3pPr marL="914400" algn="l" defTabSz="914400" rtl="0" eaLnBrk="1" latinLnBrk="0" hangingPunct="1">
+      <a:defRPr sz="1200" kern="1200">
+        <a:solidFill>
+          <a:schemeClr val="tx1"/>
+        </a:solidFill>
+        <a:latin typeface="+mn-lt"/>
+        <a:ea typeface="+mn-ea"/>
+        <a:cs typeface="+mn-cs"/>
+      </a:defRPr>
+    </a:lvl3pPr>
+    <a:lvl4pPr marL="1371600" algn="l" defTabSz="914400" rtl="0" eaLnBrk="1" latinLnBrk="0" hangingPunct="1">
+      <a:defRPr sz="1200" kern="1200">
+        <a:solidFill>
+          <a:schemeClr val="tx1"/>
+        </a:solidFill>
+        <a:latin typeface="+mn-lt"/>
+        <a:ea typeface="+mn-ea"/>
+        <a:cs typeface="+mn-cs"/>
+      </a:defRPr>
+    </a:lvl4pPr>
+    <a:lvl5pPr marL="1828800" algn="l" defTabSz="914400" rtl="0" eaLnBrk="1" latinLnBrk="0" hangingPunct="1">
+      <a:defRPr sz="1200" kern="1200">
+        <a:solidFill>
+          <a:schemeClr val="tx1"/>
+        </a:solidFill>
+        <a:latin typeface="+mn-lt"/>
+        <a:ea typeface="+mn-ea"/>
+        <a:cs typeface="+mn-cs"/>
+      </a:defRPr>
+    </a:lvl5pPr>
+    <a:lvl6pPr marL="2286000" algn="l" defTabSz="914400" rtl="0" eaLnBrk="1" latinLnBrk="0" hangingPunct="1">
+      <a:defRPr sz="1200" kern="1200">
+        <a:solidFill>
+          <a:schemeClr val="tx1"/>
+        </a:solidFill>
+        <a:latin typeface="+mn-lt"/>
+        <a:ea typeface="+mn-ea"/>
+        <a:cs typeface="+mn-cs"/>
+      </a:defRPr>
+    </a:lvl6pPr>
+    <a:lvl7pPr marL="2743200" algn="l" defTabSz="914400" rtl="0" eaLnBrk="1" latinLnBrk="0" hangingPunct="1">
+      <a:defRPr sz="1200" kern="1200">
+        <a:solidFill>
+          <a:schemeClr val="tx1"/>
+        </a:solidFill>
+        <a:latin typeface="+mn-lt"/>
+        <a:ea typeface="+mn-ea"/>
+        <a:cs typeface="+mn-cs"/>
+      </a:defRPr>
+    </a:lvl7pPr>
+    <a:lvl8pPr marL="3200400" algn="l" defTabSz="914400" rtl="0" eaLnBrk="1" latinLnBrk="0" hangingPunct="1">
+      <a:defRPr sz="1200" kern="1200">
+        <a:solidFill>
+          <a:schemeClr val="tx1"/>
+        </a:solidFill>
+        <a:latin typeface="+mn-lt"/>
+        <a:ea typeface="+mn-ea"/>
+        <a:cs typeface="+mn-cs"/>
+      </a:defRPr>
+    </a:lvl8pPr>
+    <a:lvl9pPr marL="3657600" algn="l" defTabSz="914400" rtl="0" eaLnBrk="1" latinLnBrk="0" hangingPunct="1">
+      <a:defRPr sz="1200" kern="1200">
+        <a:solidFill>
+          <a:schemeClr val="tx1"/>
+        </a:solidFill>
+        <a:latin typeface="+mn-lt"/>
+        <a:ea typeface="+mn-ea"/>
+        <a:cs typeface="+mn-cs"/>
+      </a:defRPr>
+    </a:lvl9pPr>
+  </p:notesStyle>
+</p:notesMaster>
+</file>
+
+<file path=ppt/notesSlides/notesSlide1.xml><?xml version="1.0" encoding="utf-8"?>
+<p:notes xmlns:a="http://schemas.openxmlformats.org/drawingml/2006/main" xmlns:r="http://schemas.openxmlformats.org/officeDocument/2006/relationships" xmlns:p="http://schemas.openxmlformats.org/presentationml/2006/main">
+  <p:cSld>
+    <p:spTree>
+      <p:nvGrpSpPr>
+        <p:cNvPr id="1" name=""/>
+        <p:cNvGrpSpPr/>
+        <p:nvPr/>
+      </p:nvGrpSpPr>
+      <p:grpSpPr/>
+      <p:sp>
+        <p:nvSpPr>
+          <p:cNvPr id="2" name="Espaço Reservado para Imagem de Slide 1"/>
+          <p:cNvSpPr/>
+          <p:nvPr>
+            <p:ph type="sldImg" idx="2"/>
+          </p:nvPr>
+        </p:nvSpPr>
+        <p:spPr/>
+      </p:sp>
+      <p:sp>
+        <p:nvSpPr>
+          <p:cNvPr id="3" name="Espaço Reservado para Texto 2"/>
+          <p:cNvSpPr/>
+          <p:nvPr>
+            <p:ph type="body" idx="3"/>
+          </p:nvPr>
+        </p:nvSpPr>
+        <p:spPr/>
+        <p:txBody>
+          <a:bodyPr/>
+          <a:p>
+            <a:endParaRPr lang="pt-BR" altLang="en-US"/>
+          </a:p>
+        </p:txBody>
+      </p:sp>
+    </p:spTree>
+  </p:cSld>
+  <p:clrMapOvr>
+    <a:masterClrMapping/>
+  </p:clrMapOvr>
+</p:notes>
 </file>
 
 <file path=ppt/slideLayouts/slideLayout1.xml><?xml version="1.0" encoding="utf-8"?>
@@ -2755,80 +3178,52 @@
             <p:ph type="title"/>
           </p:nvPr>
         </p:nvSpPr>
-        <p:spPr/>
-        <p:txBody>
-          <a:bodyPr/>
+        <p:spPr>
+          <a:xfrm>
+            <a:off x="838200" y="-10795"/>
+            <a:ext cx="10515600" cy="642620"/>
+          </a:xfrm>
+        </p:spPr>
+        <p:txBody>
+          <a:bodyPr>
+            <a:normAutofit/>
+          </a:bodyPr>
           <a:p>
             <a:pPr algn="ctr"/>
             <a:r>
-              <a:rPr lang="en-US" altLang="pt-BR"/>
-              <a:t>AGREGADOS</a:t>
-            </a:r>
-            <a:endParaRPr lang="en-US" altLang="pt-BR"/>
-          </a:p>
-        </p:txBody>
-      </p:sp>
-      <p:sp>
-        <p:nvSpPr>
-          <p:cNvPr id="3" name="Espaço Reservado para Conteúdo 2"/>
-          <p:cNvSpPr>
-            <a:spLocks noGrp="1"/>
-          </p:cNvSpPr>
+              <a:rPr lang="en-US" altLang="pt-BR" sz="3200"/>
+              <a:t>MODELO LÓGICO FATO PRODUTO</a:t>
+            </a:r>
+            <a:endParaRPr lang="en-US" altLang="pt-BR" sz="3200"/>
+          </a:p>
+        </p:txBody>
+      </p:sp>
+      <p:pic>
+        <p:nvPicPr>
+          <p:cNvPr id="4" name="Espaço Reservado para Conteúdo 3" descr="fato-produto"/>
+          <p:cNvPicPr>
+            <a:picLocks noChangeAspect="1"/>
+          </p:cNvPicPr>
           <p:nvPr>
             <p:ph idx="1"/>
           </p:nvPr>
-        </p:nvSpPr>
-        <p:spPr/>
-        <p:txBody>
-          <a:bodyPr/>
-          <a:p>
-            <a:pPr marL="0" indent="0">
-              <a:buNone/>
-            </a:pPr>
-            <a:r>
-              <a:rPr lang="pt-BR" altLang="en-US"/>
-              <a:t>G</a:t>
-            </a:r>
-            <a:r>
-              <a:rPr lang="en-US" altLang="pt-BR"/>
-              <a:t>RANULARIDADE</a:t>
-            </a:r>
-            <a:endParaRPr lang="pt-BR" altLang="en-US"/>
-          </a:p>
-          <a:p>
-            <a:pPr marL="0" indent="0">
-              <a:buNone/>
-            </a:pPr>
-            <a:endParaRPr lang="pt-BR" altLang="en-US"/>
-          </a:p>
-          <a:p>
-            <a:pPr marL="0" indent="0">
-              <a:buNone/>
-            </a:pPr>
-            <a:r>
-              <a:rPr lang="pt-BR" altLang="en-US"/>
-              <a:t>Uma linha da tabela do agregado fato produto representa a venda de produtos por plataforma, em um determinado mês de um determinado ano.</a:t>
-            </a:r>
-            <a:endParaRPr lang="pt-BR" altLang="en-US"/>
-          </a:p>
-          <a:p>
-            <a:pPr marL="0" indent="0">
-              <a:buNone/>
-            </a:pPr>
-            <a:endParaRPr lang="pt-BR" altLang="en-US"/>
-          </a:p>
-          <a:p>
-            <a:pPr marL="0" indent="0">
-              <a:buNone/>
-            </a:pPr>
-            <a:r>
-              <a:rPr lang="pt-BR" altLang="en-US"/>
-              <a:t>Uma linha da tabela do agregado fato ingresso representa a venda de ingressos por plataforma, em um determinado mês de um determinado ano.</a:t>
-            </a:r>
-            <a:endParaRPr lang="pt-BR" altLang="en-US"/>
-          </a:p>
-        </p:txBody>
-      </p:sp>
+        </p:nvPicPr>
+        <p:blipFill>
+          <a:blip r:embed="rId1"/>
+          <a:stretch>
+            <a:fillRect/>
+          </a:stretch>
+        </p:blipFill>
+        <p:spPr>
+          <a:xfrm>
+            <a:off x="635" y="496570"/>
+            <a:ext cx="12206605" cy="6300470"/>
+          </a:xfrm>
+          <a:prstGeom prst="rect">
+            <a:avLst/>
+          </a:prstGeom>
+        </p:spPr>
+      </p:pic>
     </p:spTree>
   </p:cSld>
   <p:clrMapOvr>
@@ -2864,38 +3259,73 @@
             <a:pPr algn="ctr"/>
             <a:r>
               <a:rPr lang="en-US" altLang="pt-BR"/>
-              <a:t>ESQUEMA LÓGICO DO AGREGADO PRODUTO</a:t>
+              <a:t>AGREGADOS</a:t>
             </a:r>
             <a:endParaRPr lang="en-US" altLang="pt-BR"/>
           </a:p>
         </p:txBody>
       </p:sp>
-      <p:pic>
-        <p:nvPicPr>
-          <p:cNvPr id="4" name="Espaço Reservado para Conteúdo 3" descr="agregado_produto"/>
-          <p:cNvPicPr>
-            <a:picLocks noChangeAspect="1"/>
-          </p:cNvPicPr>
+      <p:sp>
+        <p:nvSpPr>
+          <p:cNvPr id="3" name="Espaço Reservado para Conteúdo 2"/>
+          <p:cNvSpPr>
+            <a:spLocks noGrp="1"/>
+          </p:cNvSpPr>
           <p:nvPr>
             <p:ph idx="1"/>
           </p:nvPr>
-        </p:nvPicPr>
-        <p:blipFill>
-          <a:blip r:embed="rId1"/>
-          <a:stretch>
-            <a:fillRect/>
-          </a:stretch>
-        </p:blipFill>
-        <p:spPr>
-          <a:xfrm>
-            <a:off x="837565" y="1403350"/>
-            <a:ext cx="10516870" cy="5212080"/>
-          </a:xfrm>
-          <a:prstGeom prst="rect">
-            <a:avLst/>
-          </a:prstGeom>
-        </p:spPr>
-      </p:pic>
+        </p:nvSpPr>
+        <p:spPr/>
+        <p:txBody>
+          <a:bodyPr/>
+          <a:p>
+            <a:pPr marL="0" indent="0">
+              <a:buNone/>
+            </a:pPr>
+            <a:r>
+              <a:rPr lang="pt-BR" altLang="en-US"/>
+              <a:t>G</a:t>
+            </a:r>
+            <a:r>
+              <a:rPr lang="en-US" altLang="pt-BR"/>
+              <a:t>RANULARIDADE</a:t>
+            </a:r>
+            <a:endParaRPr lang="pt-BR" altLang="en-US"/>
+          </a:p>
+          <a:p>
+            <a:pPr marL="0" indent="0">
+              <a:buNone/>
+            </a:pPr>
+            <a:endParaRPr lang="pt-BR" altLang="en-US"/>
+          </a:p>
+          <a:p>
+            <a:pPr marL="0" indent="0">
+              <a:buNone/>
+            </a:pPr>
+            <a:r>
+              <a:rPr lang="pt-BR" altLang="en-US"/>
+              <a:t>Uma linha da tabela do agregado fato produto representa a venda de produtos por plataforma, em um determinado mês de um determinado ano.</a:t>
+            </a:r>
+            <a:endParaRPr lang="pt-BR" altLang="en-US"/>
+          </a:p>
+          <a:p>
+            <a:pPr marL="0" indent="0">
+              <a:buNone/>
+            </a:pPr>
+            <a:endParaRPr lang="pt-BR" altLang="en-US"/>
+          </a:p>
+          <a:p>
+            <a:pPr marL="0" indent="0">
+              <a:buNone/>
+            </a:pPr>
+            <a:r>
+              <a:rPr lang="pt-BR" altLang="en-US"/>
+              <a:t>Uma linha da tabela do agregado fato ingresso representa a venda de ingressos por plataforma, em um determinado mês de um determinado ano.</a:t>
+            </a:r>
+            <a:endParaRPr lang="pt-BR" altLang="en-US"/>
+          </a:p>
+        </p:txBody>
+      </p:sp>
     </p:spTree>
   </p:cSld>
   <p:clrMapOvr>
@@ -2924,24 +3354,27 @@
             <p:ph type="title"/>
           </p:nvPr>
         </p:nvSpPr>
-        <p:spPr/>
+        <p:spPr>
+          <a:xfrm>
+            <a:off x="838200" y="-12065"/>
+            <a:ext cx="10515600" cy="705485"/>
+          </a:xfrm>
+        </p:spPr>
         <p:txBody>
           <a:bodyPr/>
           <a:p>
             <a:pPr algn="ctr"/>
             <a:r>
-              <a:rPr lang="en-US" altLang="pt-BR">
-                <a:sym typeface="+mn-ea"/>
-              </a:rPr>
-              <a:t>ESQUEMA LÓGICO DO AGREGADO INGRESSO</a:t>
-            </a:r>
-            <a:endParaRPr lang="pt-BR" altLang="en-US"/>
+              <a:rPr lang="en-US" altLang="pt-BR" sz="3200"/>
+              <a:t>ESQUEMA LÓGICO DO AGREGADO PRODUTO</a:t>
+            </a:r>
+            <a:endParaRPr lang="en-US" altLang="pt-BR" sz="3200"/>
           </a:p>
         </p:txBody>
       </p:sp>
       <p:pic>
         <p:nvPicPr>
-          <p:cNvPr id="4" name="Espaço Reservado para Conteúdo 3" descr="agregado_ingresso"/>
+          <p:cNvPr id="4" name="Espaço Reservado para Conteúdo 3" descr="agregado_produto"/>
           <p:cNvPicPr>
             <a:picLocks noChangeAspect="1"/>
           </p:cNvPicPr>
@@ -2957,8 +3390,8 @@
         </p:blipFill>
         <p:spPr>
           <a:xfrm>
-            <a:off x="838835" y="1297305"/>
-            <a:ext cx="10514330" cy="5378450"/>
+            <a:off x="52705" y="512445"/>
+            <a:ext cx="12086590" cy="6374130"/>
           </a:xfrm>
           <a:prstGeom prst="rect">
             <a:avLst/>
@@ -2993,6 +3426,80 @@
             <p:ph type="title"/>
           </p:nvPr>
         </p:nvSpPr>
+        <p:spPr>
+          <a:xfrm>
+            <a:off x="838200" y="63500"/>
+            <a:ext cx="10515600" cy="601345"/>
+          </a:xfrm>
+        </p:spPr>
+        <p:txBody>
+          <a:bodyPr/>
+          <a:p>
+            <a:pPr algn="ctr"/>
+            <a:r>
+              <a:rPr lang="en-US" altLang="pt-BR" sz="3200">
+                <a:sym typeface="+mn-ea"/>
+              </a:rPr>
+              <a:t>ESQUEMA LÓGICO DO AGREGADO INGRESSO</a:t>
+            </a:r>
+            <a:endParaRPr lang="pt-BR" altLang="en-US" sz="3200"/>
+          </a:p>
+        </p:txBody>
+      </p:sp>
+      <p:pic>
+        <p:nvPicPr>
+          <p:cNvPr id="4" name="Espaço Reservado para Conteúdo 3" descr="agregado_ingresso"/>
+          <p:cNvPicPr>
+            <a:picLocks noChangeAspect="1"/>
+          </p:cNvPicPr>
+          <p:nvPr>
+            <p:ph idx="1"/>
+          </p:nvPr>
+        </p:nvPicPr>
+        <p:blipFill>
+          <a:blip r:embed="rId1"/>
+          <a:stretch>
+            <a:fillRect/>
+          </a:stretch>
+        </p:blipFill>
+        <p:spPr>
+          <a:xfrm>
+            <a:off x="29845" y="544195"/>
+            <a:ext cx="12146915" cy="6299835"/>
+          </a:xfrm>
+          <a:prstGeom prst="rect">
+            <a:avLst/>
+          </a:prstGeom>
+        </p:spPr>
+      </p:pic>
+    </p:spTree>
+  </p:cSld>
+  <p:clrMapOvr>
+    <a:masterClrMapping/>
+  </p:clrMapOvr>
+</p:sld>
+</file>
+
+<file path=ppt/slides/slide14.xml><?xml version="1.0" encoding="utf-8"?>
+<p:sld xmlns:a="http://schemas.openxmlformats.org/drawingml/2006/main" xmlns:r="http://schemas.openxmlformats.org/officeDocument/2006/relationships" xmlns:p="http://schemas.openxmlformats.org/presentationml/2006/main">
+  <p:cSld>
+    <p:spTree>
+      <p:nvGrpSpPr>
+        <p:cNvPr id="1" name=""/>
+        <p:cNvGrpSpPr/>
+        <p:nvPr/>
+      </p:nvGrpSpPr>
+      <p:grpSpPr/>
+      <p:sp>
+        <p:nvSpPr>
+          <p:cNvPr id="2" name="Título 1"/>
+          <p:cNvSpPr>
+            <a:spLocks noGrp="1"/>
+          </p:cNvSpPr>
+          <p:nvPr>
+            <p:ph type="title"/>
+          </p:nvPr>
+        </p:nvSpPr>
         <p:spPr/>
         <p:txBody>
           <a:bodyPr/>
@@ -3069,45 +3576,87 @@
         <p:txBody>
           <a:bodyPr/>
           <a:p>
+            <a:pPr algn="ctr"/>
+            <a:r>
+              <a:rPr lang="en-US" altLang="pt-BR"/>
+              <a:t>AGENDA</a:t>
+            </a:r>
+            <a:endParaRPr lang="en-US" altLang="pt-BR"/>
+          </a:p>
+        </p:txBody>
+      </p:sp>
+      <p:sp>
+        <p:nvSpPr>
+          <p:cNvPr id="3" name="Espaço Reservado para Conteúdo 2"/>
+          <p:cNvSpPr>
+            <a:spLocks noGrp="1"/>
+          </p:cNvSpPr>
+          <p:nvPr>
+            <p:ph idx="1"/>
+          </p:nvPr>
+        </p:nvSpPr>
+        <p:spPr/>
+        <p:txBody>
+          <a:bodyPr/>
+          <a:p>
+            <a:pPr marL="0" indent="0">
+              <a:buNone/>
+            </a:pPr>
             <a:r>
               <a:rPr lang="en-US" altLang="pt-BR"/>
               <a:t>Por que fazer um data warehouse?</a:t>
             </a:r>
             <a:endParaRPr lang="en-US" altLang="pt-BR"/>
           </a:p>
-        </p:txBody>
-      </p:sp>
-      <p:sp>
-        <p:nvSpPr>
-          <p:cNvPr id="3" name="Espaço Reservado para Conteúdo 2"/>
-          <p:cNvSpPr>
-            <a:spLocks noGrp="1"/>
-          </p:cNvSpPr>
-          <p:nvPr>
-            <p:ph idx="1"/>
-          </p:nvPr>
-        </p:nvSpPr>
-        <p:spPr/>
-        <p:txBody>
-          <a:bodyPr/>
-          <a:p>
+          <a:p>
+            <a:pPr marL="0" indent="0">
+              <a:buNone/>
+            </a:pPr>
             <a:r>
               <a:rPr lang="en-US" altLang="pt-BR"/>
-              <a:t>Ajudar na tomada de decisão</a:t>
+              <a:t>Ambiente operacional</a:t>
             </a:r>
             <a:endParaRPr lang="en-US" altLang="pt-BR"/>
           </a:p>
           <a:p>
+            <a:pPr marL="0" indent="0">
+              <a:buNone/>
+            </a:pPr>
             <a:r>
               <a:rPr lang="en-US" altLang="pt-BR"/>
-              <a:t>Economizar recursos</a:t>
+              <a:t>Indicadores</a:t>
             </a:r>
             <a:endParaRPr lang="en-US" altLang="pt-BR"/>
           </a:p>
           <a:p>
+            <a:pPr marL="0" indent="0">
+              <a:buNone/>
+            </a:pPr>
             <a:r>
               <a:rPr lang="en-US" altLang="pt-BR"/>
-              <a:t>Otimizar o desempenho dos negócio</a:t>
+              <a:t>Fatos</a:t>
+            </a:r>
+            <a:endParaRPr lang="en-US" altLang="pt-BR"/>
+          </a:p>
+          <a:p>
+            <a:pPr marL="0" indent="0">
+              <a:buNone/>
+            </a:pPr>
+            <a:r>
+              <a:rPr lang="en-US" altLang="pt-BR"/>
+              <a:t>Área de staging</a:t>
+            </a:r>
+            <a:endParaRPr lang="en-US" altLang="pt-BR"/>
+          </a:p>
+          <a:p>
+            <a:pPr marL="0" indent="0">
+              <a:buNone/>
+            </a:pPr>
+            <a:r>
+              <a:rPr lang="en-US" altLang="pt-BR">
+                <a:sym typeface="+mn-ea"/>
+              </a:rPr>
+              <a:t>Agregados</a:t>
             </a:r>
             <a:endParaRPr lang="en-US" altLang="pt-BR"/>
           </a:p>
@@ -3141,52 +3690,43 @@
             <p:ph type="title"/>
           </p:nvPr>
         </p:nvSpPr>
-        <p:spPr>
-          <a:xfrm>
-            <a:off x="837565" y="-2540"/>
-            <a:ext cx="10515600" cy="897255"/>
-          </a:xfrm>
-        </p:spPr>
-        <p:txBody>
-          <a:bodyPr>
-            <a:normAutofit/>
-          </a:bodyPr>
-          <a:p>
-            <a:pPr algn="ctr"/>
-            <a:r>
-              <a:rPr lang="en-US" altLang="pt-BR" sz="3600"/>
-              <a:t>AMBIENTE OPERACIONAL</a:t>
-            </a:r>
-            <a:endParaRPr lang="en-US" altLang="pt-BR" sz="3600"/>
-          </a:p>
-        </p:txBody>
-      </p:sp>
-      <p:pic>
-        <p:nvPicPr>
-          <p:cNvPr id="4" name="Espaço Reservado para Conteúdo 3" descr="modelo-logico-ambiente"/>
-          <p:cNvPicPr>
-            <a:picLocks noChangeAspect="1"/>
-          </p:cNvPicPr>
+        <p:spPr/>
+        <p:txBody>
+          <a:bodyPr/>
+          <a:p>
+            <a:r>
+              <a:rPr lang="en-US" altLang="pt-BR"/>
+              <a:t>Por que fazer um data warehouse?</a:t>
+            </a:r>
+            <a:endParaRPr lang="en-US" altLang="pt-BR"/>
+          </a:p>
+        </p:txBody>
+      </p:sp>
+      <p:sp>
+        <p:nvSpPr>
+          <p:cNvPr id="3" name="Espaço Reservado para Conteúdo 2"/>
+          <p:cNvSpPr>
+            <a:spLocks noGrp="1"/>
+          </p:cNvSpPr>
           <p:nvPr>
             <p:ph idx="1"/>
           </p:nvPr>
-        </p:nvPicPr>
-        <p:blipFill>
-          <a:blip r:embed="rId1"/>
-          <a:stretch>
-            <a:fillRect/>
-          </a:stretch>
-        </p:blipFill>
-        <p:spPr>
-          <a:xfrm>
-            <a:off x="838200" y="886460"/>
-            <a:ext cx="10514965" cy="5688965"/>
-          </a:xfrm>
-          <a:prstGeom prst="rect">
-            <a:avLst/>
-          </a:prstGeom>
-        </p:spPr>
-      </p:pic>
+        </p:nvSpPr>
+        <p:spPr/>
+        <p:txBody>
+          <a:bodyPr/>
+          <a:p>
+            <a:pPr marL="0" indent="0">
+              <a:buNone/>
+            </a:pPr>
+            <a:r>
+              <a:rPr lang="en-US" altLang="pt-BR"/>
+              <a:t>	Uma rede de cinema necessita de resultados expressivos em um determinado período.  Então este data warehouse ajuda na tomada de decisão de uma rede de cinema, o que pode dar certa vantagem aos concorrentes que podem não ter um data warehouse para tomada de decisão.</a:t>
+            </a:r>
+            <a:endParaRPr lang="en-US" altLang="pt-BR"/>
+          </a:p>
+        </p:txBody>
+      </p:sp>
     </p:spTree>
   </p:cSld>
   <p:clrMapOvr>
@@ -3217,230 +3757,50 @@
         </p:nvSpPr>
         <p:spPr>
           <a:xfrm>
-            <a:off x="838200" y="3175"/>
-            <a:ext cx="10515600" cy="842645"/>
+            <a:off x="837565" y="-2540"/>
+            <a:ext cx="10515600" cy="610235"/>
           </a:xfrm>
         </p:spPr>
         <p:txBody>
-          <a:bodyPr/>
+          <a:bodyPr>
+            <a:normAutofit fontScale="90000"/>
+          </a:bodyPr>
           <a:p>
             <a:pPr algn="ctr"/>
             <a:r>
-              <a:rPr lang="en-US" altLang="pt-BR"/>
-              <a:t>INDICADORES</a:t>
-            </a:r>
-            <a:endParaRPr lang="en-US" altLang="pt-BR"/>
-          </a:p>
-        </p:txBody>
-      </p:sp>
-      <p:sp>
-        <p:nvSpPr>
-          <p:cNvPr id="3" name="Espaço Reservado para Conteúdo 2"/>
-          <p:cNvSpPr>
-            <a:spLocks noGrp="1"/>
-          </p:cNvSpPr>
+              <a:rPr lang="en-US" altLang="pt-BR" sz="3600"/>
+              <a:t>AMBIENTE OPERACIONAL</a:t>
+            </a:r>
+            <a:endParaRPr lang="en-US" altLang="pt-BR" sz="3600"/>
+          </a:p>
+        </p:txBody>
+      </p:sp>
+      <p:pic>
+        <p:nvPicPr>
+          <p:cNvPr id="4" name="Espaço Reservado para Conteúdo 3" descr="modelo-logico-ambiente"/>
+          <p:cNvPicPr>
+            <a:picLocks noChangeAspect="1"/>
+          </p:cNvPicPr>
           <p:nvPr>
             <p:ph idx="1"/>
           </p:nvPr>
-        </p:nvSpPr>
+        </p:nvPicPr>
+        <p:blipFill>
+          <a:blip r:embed="rId1"/>
+          <a:stretch>
+            <a:fillRect/>
+          </a:stretch>
+        </p:blipFill>
         <p:spPr>
           <a:xfrm>
-            <a:off x="838200" y="845185"/>
-            <a:ext cx="10515600" cy="5981065"/>
+            <a:off x="-13335" y="607695"/>
+            <a:ext cx="12220575" cy="6216650"/>
           </a:xfrm>
+          <a:prstGeom prst="rect">
+            <a:avLst/>
+          </a:prstGeom>
         </p:spPr>
-        <p:txBody>
-          <a:bodyPr>
-            <a:noAutofit/>
-          </a:bodyPr>
-          <a:p>
-            <a:pPr marL="0" indent="0">
-              <a:buNone/>
-            </a:pPr>
-            <a:r>
-              <a:rPr lang="pt-BR" altLang="en-US" sz="2600">
-                <a:sym typeface="+mn-ea"/>
-              </a:rPr>
-              <a:t>1 </a:t>
-            </a:r>
-            <a:r>
-              <a:rPr lang="en-US" altLang="pt-BR" sz="2600">
-                <a:sym typeface="+mn-ea"/>
-              </a:rPr>
-              <a:t>- </a:t>
-            </a:r>
-            <a:r>
-              <a:rPr lang="pt-BR" altLang="en-US" sz="2600">
-                <a:sym typeface="+mn-ea"/>
-              </a:rPr>
-              <a:t>Quantidade de ingressos vendidos por gênero de filme?</a:t>
-            </a:r>
-            <a:endParaRPr lang="pt-BR" altLang="en-US" sz="2600">
-              <a:sym typeface="+mn-ea"/>
-            </a:endParaRPr>
-          </a:p>
-          <a:p>
-            <a:pPr marL="0" indent="0">
-              <a:buNone/>
-            </a:pPr>
-            <a:endParaRPr lang="pt-BR" altLang="en-US" sz="2600"/>
-          </a:p>
-          <a:p>
-            <a:pPr marL="0" indent="0">
-              <a:buNone/>
-            </a:pPr>
-            <a:r>
-              <a:rPr lang="pt-BR" altLang="en-US" sz="2600">
-                <a:sym typeface="+mn-ea"/>
-              </a:rPr>
-              <a:t>2 </a:t>
-            </a:r>
-            <a:r>
-              <a:rPr lang="en-US" altLang="pt-BR" sz="2600">
-                <a:sym typeface="+mn-ea"/>
-              </a:rPr>
-              <a:t>- </a:t>
-            </a:r>
-            <a:r>
-              <a:rPr lang="pt-BR" altLang="en-US" sz="2600">
-                <a:sym typeface="+mn-ea"/>
-              </a:rPr>
-              <a:t>Quais os dias, meses e anos que mais venderam ingressos?</a:t>
-            </a:r>
-            <a:endParaRPr lang="pt-BR" altLang="en-US" sz="2600"/>
-          </a:p>
-          <a:p>
-            <a:pPr marL="0" indent="0">
-              <a:buNone/>
-            </a:pPr>
-            <a:endParaRPr lang="pt-BR" altLang="en-US" sz="2600">
-              <a:sym typeface="+mn-ea"/>
-            </a:endParaRPr>
-          </a:p>
-          <a:p>
-            <a:pPr marL="0" indent="0">
-              <a:buNone/>
-            </a:pPr>
-            <a:r>
-              <a:rPr lang="pt-BR" altLang="en-US" sz="2600">
-                <a:sym typeface="+mn-ea"/>
-              </a:rPr>
-              <a:t>3 </a:t>
-            </a:r>
-            <a:r>
-              <a:rPr lang="en-US" altLang="pt-BR" sz="2600">
-                <a:sym typeface="+mn-ea"/>
-              </a:rPr>
-              <a:t>- </a:t>
-            </a:r>
-            <a:r>
-              <a:rPr lang="pt-BR" altLang="en-US" sz="2600">
-                <a:sym typeface="+mn-ea"/>
-              </a:rPr>
-              <a:t>Qual o total de ingressos vendidos por filme e por período?</a:t>
-            </a:r>
-            <a:endParaRPr lang="pt-BR" altLang="en-US" sz="2600"/>
-          </a:p>
-          <a:p>
-            <a:pPr marL="0" indent="0">
-              <a:buNone/>
-            </a:pPr>
-            <a:endParaRPr lang="pt-BR" altLang="en-US" sz="2600">
-              <a:sym typeface="+mn-ea"/>
-            </a:endParaRPr>
-          </a:p>
-          <a:p>
-            <a:pPr marL="0" indent="0">
-              <a:buNone/>
-            </a:pPr>
-            <a:r>
-              <a:rPr lang="pt-BR" altLang="en-US" sz="2600">
-                <a:sym typeface="+mn-ea"/>
-              </a:rPr>
-              <a:t>4 </a:t>
-            </a:r>
-            <a:r>
-              <a:rPr lang="en-US" altLang="pt-BR" sz="2600">
-                <a:sym typeface="+mn-ea"/>
-              </a:rPr>
-              <a:t>- </a:t>
-            </a:r>
-            <a:r>
-              <a:rPr lang="pt-BR" altLang="en-US" sz="2600">
-                <a:sym typeface="+mn-ea"/>
-              </a:rPr>
-              <a:t>Quantidade de ingressos vendidos por plataformas por período?</a:t>
-            </a:r>
-            <a:endParaRPr lang="pt-BR" altLang="en-US" sz="2600"/>
-          </a:p>
-          <a:p>
-            <a:pPr marL="0" indent="0">
-              <a:buNone/>
-            </a:pPr>
-            <a:endParaRPr lang="pt-BR" altLang="en-US" sz="2600">
-              <a:sym typeface="+mn-ea"/>
-            </a:endParaRPr>
-          </a:p>
-          <a:p>
-            <a:pPr marL="0" indent="0">
-              <a:buNone/>
-            </a:pPr>
-            <a:r>
-              <a:rPr lang="pt-BR" altLang="en-US" sz="2600">
-                <a:sym typeface="+mn-ea"/>
-              </a:rPr>
-              <a:t>5 </a:t>
-            </a:r>
-            <a:r>
-              <a:rPr lang="en-US" altLang="pt-BR" sz="2600">
-                <a:sym typeface="+mn-ea"/>
-              </a:rPr>
-              <a:t>- </a:t>
-            </a:r>
-            <a:r>
-              <a:rPr lang="pt-BR" altLang="en-US" sz="2600">
-                <a:sym typeface="+mn-ea"/>
-              </a:rPr>
-              <a:t>Qual o total de produtos vendidos em determinados períodos?</a:t>
-            </a:r>
-            <a:endParaRPr lang="pt-BR" altLang="en-US" sz="2600"/>
-          </a:p>
-          <a:p>
-            <a:pPr marL="0" indent="0">
-              <a:buNone/>
-            </a:pPr>
-            <a:endParaRPr lang="pt-BR" altLang="en-US" sz="2600">
-              <a:sym typeface="+mn-ea"/>
-            </a:endParaRPr>
-          </a:p>
-          <a:p>
-            <a:pPr marL="0" indent="0">
-              <a:buNone/>
-            </a:pPr>
-            <a:r>
-              <a:rPr lang="pt-BR" altLang="en-US" sz="2600">
-                <a:sym typeface="+mn-ea"/>
-              </a:rPr>
-              <a:t>6 </a:t>
-            </a:r>
-            <a:r>
-              <a:rPr lang="en-US" altLang="pt-BR" sz="2600">
-                <a:sym typeface="+mn-ea"/>
-              </a:rPr>
-              <a:t>- </a:t>
-            </a:r>
-            <a:r>
-              <a:rPr lang="pt-BR" altLang="en-US" sz="2600">
-                <a:sym typeface="+mn-ea"/>
-              </a:rPr>
-              <a:t>Quais os filmes que mais venderam ingressos no ano?</a:t>
-            </a:r>
-            <a:endParaRPr lang="pt-BR" altLang="en-US" sz="2600">
-              <a:sym typeface="+mn-ea"/>
-            </a:endParaRPr>
-          </a:p>
-        </p:txBody>
-      </p:sp>
+      </p:pic>
     </p:spTree>
   </p:cSld>
   <p:clrMapOvr>
@@ -3515,7 +3875,7 @@
               <a:rPr lang="pt-BR" altLang="en-US" sz="2600">
                 <a:sym typeface="+mn-ea"/>
               </a:rPr>
-              <a:t>7 </a:t>
+              <a:t>1 </a:t>
             </a:r>
             <a:r>
               <a:rPr lang="en-US" altLang="pt-BR" sz="2600">
@@ -3527,7 +3887,7 @@
               <a:rPr lang="pt-BR" altLang="en-US" sz="2600">
                 <a:sym typeface="+mn-ea"/>
               </a:rPr>
-              <a:t>Qual o valor total de ingressos vendidos por dias, meses e anos?</a:t>
+              <a:t>Quantidade de ingressos vendidos por gênero de filme?</a:t>
             </a:r>
             <a:endParaRPr lang="pt-BR" altLang="en-US" sz="2600">
               <a:sym typeface="+mn-ea"/>
@@ -3544,62 +3904,10 @@
               <a:buNone/>
             </a:pPr>
             <a:r>
-              <a:rPr lang="en-US" altLang="pt-BR" sz="2600">
-                <a:sym typeface="+mn-ea"/>
-              </a:rPr>
-              <a:t>8- </a:t>
-            </a:r>
-            <a:r>
               <a:rPr lang="pt-BR" altLang="en-US" sz="2600">
                 <a:sym typeface="+mn-ea"/>
               </a:rPr>
-              <a:t>Qual o valor total de produtos do snack bar vendidos por dias, meses e anos?</a:t>
-            </a:r>
-            <a:endParaRPr lang="pt-BR" altLang="en-US" sz="2600">
-              <a:sym typeface="+mn-ea"/>
-            </a:endParaRPr>
-          </a:p>
-          <a:p>
-            <a:pPr marL="0" indent="0">
-              <a:buNone/>
-            </a:pPr>
-            <a:endParaRPr lang="pt-BR" altLang="en-US" sz="2600"/>
-          </a:p>
-          <a:p>
-            <a:pPr marL="0" indent="0">
-              <a:buNone/>
-            </a:pPr>
-            <a:r>
-              <a:rPr lang="en-US" altLang="pt-BR" sz="2600">
-                <a:sym typeface="+mn-ea"/>
-              </a:rPr>
-              <a:t>9 - </a:t>
-            </a:r>
-            <a:r>
-              <a:rPr lang="pt-BR" altLang="en-US" sz="2600">
-                <a:sym typeface="+mn-ea"/>
-              </a:rPr>
-              <a:t>Qual o valor total de ingressos vendidos por plataformas em dias, meses e anos?</a:t>
-            </a:r>
-            <a:endParaRPr lang="pt-BR" altLang="en-US" sz="2600">
-              <a:sym typeface="+mn-ea"/>
-            </a:endParaRPr>
-          </a:p>
-          <a:p>
-            <a:pPr marL="0" indent="0">
-              <a:buNone/>
-            </a:pPr>
-            <a:endParaRPr lang="pt-BR" altLang="en-US" sz="2600"/>
-          </a:p>
-          <a:p>
-            <a:pPr marL="0" indent="0">
-              <a:buNone/>
-            </a:pPr>
-            <a:r>
-              <a:rPr lang="pt-BR" altLang="en-US" sz="2600">
-                <a:sym typeface="+mn-ea"/>
-              </a:rPr>
-              <a:t>10 </a:t>
+              <a:t>2 </a:t>
             </a:r>
             <a:r>
               <a:rPr lang="en-US" altLang="pt-BR" sz="2600">
@@ -3611,11 +3919,9 @@
               <a:rPr lang="pt-BR" altLang="en-US" sz="2600">
                 <a:sym typeface="+mn-ea"/>
               </a:rPr>
-              <a:t>Qual a quantidade de clientes por determinado bairro, cidade e estado?</a:t>
-            </a:r>
-            <a:endParaRPr lang="pt-BR" altLang="en-US" sz="2600">
-              <a:sym typeface="+mn-ea"/>
-            </a:endParaRPr>
+              <a:t>Quais os dias, meses e anos que mais venderam ingressos?</a:t>
+            </a:r>
+            <a:endParaRPr lang="pt-BR" altLang="en-US" sz="2600"/>
           </a:p>
           <a:p>
             <a:pPr marL="0" indent="0">
@@ -3633,7 +3939,7 @@
               <a:rPr lang="pt-BR" altLang="en-US" sz="2600">
                 <a:sym typeface="+mn-ea"/>
               </a:rPr>
-              <a:t>11 </a:t>
+              <a:t>3 </a:t>
             </a:r>
             <a:r>
               <a:rPr lang="en-US" altLang="pt-BR" sz="2600">
@@ -3645,8 +3951,14 @@
               <a:rPr lang="pt-BR" altLang="en-US" sz="2600">
                 <a:sym typeface="+mn-ea"/>
               </a:rPr>
-              <a:t>Qual o turno que mais vendeu ingressos?</a:t>
-            </a:r>
+              <a:t>Qual o total de ingressos vendidos por filme e por período?</a:t>
+            </a:r>
+            <a:endParaRPr lang="pt-BR" altLang="en-US" sz="2600"/>
+          </a:p>
+          <a:p>
+            <a:pPr marL="0" indent="0">
+              <a:buNone/>
+            </a:pPr>
             <a:endParaRPr lang="pt-BR" altLang="en-US" sz="2600">
               <a:sym typeface="+mn-ea"/>
             </a:endParaRPr>
@@ -3655,23 +3967,87 @@
             <a:pPr marL="0" indent="0">
               <a:buNone/>
             </a:pPr>
-            <a:endParaRPr lang="pt-BR" altLang="en-US" sz="2600"/>
-          </a:p>
-          <a:p>
-            <a:pPr marL="0" indent="0">
-              <a:buNone/>
-            </a:pPr>
+            <a:r>
+              <a:rPr lang="pt-BR" altLang="en-US" sz="2600">
+                <a:sym typeface="+mn-ea"/>
+              </a:rPr>
+              <a:t>4 </a:t>
+            </a:r>
             <a:r>
               <a:rPr lang="en-US" altLang="pt-BR" sz="2600">
                 <a:sym typeface="+mn-ea"/>
               </a:rPr>
-              <a:t>12 - </a:t>
+              <a:t>- </a:t>
             </a:r>
             <a:r>
               <a:rPr lang="pt-BR" altLang="en-US" sz="2600">
                 <a:sym typeface="+mn-ea"/>
               </a:rPr>
-              <a:t>Total de clientes por plano utilizado?</a:t>
+              <a:t>Quantidade de ingressos vendidos por plataformas por período?</a:t>
+            </a:r>
+            <a:endParaRPr lang="pt-BR" altLang="en-US" sz="2600"/>
+          </a:p>
+          <a:p>
+            <a:pPr marL="0" indent="0">
+              <a:buNone/>
+            </a:pPr>
+            <a:endParaRPr lang="pt-BR" altLang="en-US" sz="2600">
+              <a:sym typeface="+mn-ea"/>
+            </a:endParaRPr>
+          </a:p>
+          <a:p>
+            <a:pPr marL="0" indent="0">
+              <a:buNone/>
+            </a:pPr>
+            <a:r>
+              <a:rPr lang="pt-BR" altLang="en-US" sz="2600">
+                <a:sym typeface="+mn-ea"/>
+              </a:rPr>
+              <a:t>5 </a:t>
+            </a:r>
+            <a:r>
+              <a:rPr lang="en-US" altLang="pt-BR" sz="2600">
+                <a:sym typeface="+mn-ea"/>
+              </a:rPr>
+              <a:t>- </a:t>
+            </a:r>
+            <a:r>
+              <a:rPr lang="pt-BR" altLang="en-US" sz="2600">
+                <a:sym typeface="+mn-ea"/>
+              </a:rPr>
+              <a:t>Qual o total de produtos vendidos em determinados períodos?</a:t>
+            </a:r>
+            <a:endParaRPr lang="pt-BR" altLang="en-US" sz="2600"/>
+          </a:p>
+          <a:p>
+            <a:pPr marL="0" indent="0">
+              <a:buNone/>
+            </a:pPr>
+            <a:endParaRPr lang="pt-BR" altLang="en-US" sz="2600">
+              <a:sym typeface="+mn-ea"/>
+            </a:endParaRPr>
+          </a:p>
+          <a:p>
+            <a:pPr marL="0" indent="0">
+              <a:buNone/>
+            </a:pPr>
+            <a:r>
+              <a:rPr lang="pt-BR" altLang="en-US" sz="2600">
+                <a:sym typeface="+mn-ea"/>
+              </a:rPr>
+              <a:t>6 </a:t>
+            </a:r>
+            <a:r>
+              <a:rPr lang="en-US" altLang="pt-BR" sz="2600">
+                <a:sym typeface="+mn-ea"/>
+              </a:rPr>
+              <a:t>- </a:t>
+            </a:r>
+            <a:r>
+              <a:rPr lang="pt-BR" altLang="en-US" sz="2600">
+                <a:sym typeface="+mn-ea"/>
+              </a:rPr>
+              <a:t>Quais os filmes que mais venderam ingressos no ano?</a:t>
             </a:r>
             <a:endParaRPr lang="pt-BR" altLang="en-US" sz="2600">
               <a:sym typeface="+mn-ea"/>
@@ -3707,80 +4083,213 @@
             <p:ph type="title"/>
           </p:nvPr>
         </p:nvSpPr>
-        <p:spPr/>
-        <p:txBody>
-          <a:bodyPr/>
-          <a:p>
-            <a:pPr algn="ctr"/>
-            <a:r>
-              <a:rPr lang="en-US" altLang="pt-BR"/>
-              <a:t>DEFINIÇÃO DOS FATOS</a:t>
-            </a:r>
-            <a:endParaRPr lang="en-US" altLang="pt-BR"/>
-          </a:p>
-        </p:txBody>
-      </p:sp>
-      <p:sp>
-        <p:nvSpPr>
-          <p:cNvPr id="3" name="Espaço Reservado para Conteúdo 2"/>
-          <p:cNvSpPr>
-            <a:spLocks noGrp="1"/>
-          </p:cNvSpPr>
-          <p:nvPr>
-            <p:ph idx="1"/>
-          </p:nvPr>
-        </p:nvSpPr>
         <p:spPr>
           <a:xfrm>
-            <a:off x="838200" y="1312545"/>
-            <a:ext cx="10515600" cy="5302885"/>
+            <a:off x="838200" y="3175"/>
+            <a:ext cx="10515600" cy="842645"/>
           </a:xfrm>
         </p:spPr>
         <p:txBody>
           <a:bodyPr/>
           <a:p>
+            <a:pPr algn="ctr"/>
+            <a:r>
+              <a:rPr lang="en-US" altLang="pt-BR"/>
+              <a:t>INDICADORES</a:t>
+            </a:r>
+            <a:endParaRPr lang="en-US" altLang="pt-BR"/>
+          </a:p>
+        </p:txBody>
+      </p:sp>
+      <p:sp>
+        <p:nvSpPr>
+          <p:cNvPr id="3" name="Espaço Reservado para Conteúdo 2"/>
+          <p:cNvSpPr>
+            <a:spLocks noGrp="1"/>
+          </p:cNvSpPr>
+          <p:nvPr>
+            <p:ph idx="1"/>
+          </p:nvPr>
+        </p:nvSpPr>
+        <p:spPr>
+          <a:xfrm>
+            <a:off x="838200" y="845185"/>
+            <a:ext cx="10515600" cy="5981065"/>
+          </a:xfrm>
+        </p:spPr>
+        <p:txBody>
+          <a:bodyPr>
+            <a:noAutofit/>
+          </a:bodyPr>
+          <a:p>
             <a:pPr marL="0" indent="0">
               <a:buNone/>
             </a:pPr>
-            <a:endParaRPr lang="en-US" altLang="pt-BR"/>
+            <a:r>
+              <a:rPr lang="pt-BR" altLang="en-US" sz="2600">
+                <a:sym typeface="+mn-ea"/>
+              </a:rPr>
+              <a:t>7 </a:t>
+            </a:r>
+            <a:r>
+              <a:rPr lang="en-US" altLang="pt-BR" sz="2600">
+                <a:sym typeface="+mn-ea"/>
+              </a:rPr>
+              <a:t>- </a:t>
+            </a:r>
+            <a:r>
+              <a:rPr lang="pt-BR" altLang="en-US" sz="2600">
+                <a:sym typeface="+mn-ea"/>
+              </a:rPr>
+              <a:t>Qual o valor total de ingressos vendidos por dias, meses e anos?</a:t>
+            </a:r>
+            <a:endParaRPr lang="pt-BR" altLang="en-US" sz="2600">
+              <a:sym typeface="+mn-ea"/>
+            </a:endParaRPr>
           </a:p>
           <a:p>
             <a:pPr marL="0" indent="0">
               <a:buNone/>
             </a:pPr>
-            <a:r>
-              <a:rPr lang="en-US" altLang="pt-BR"/>
-              <a:t>Ingresso: Uma linha da tabela de fato produto representa a venda de produtos por plataforma, em um determinado dia.	</a:t>
-            </a:r>
-            <a:endParaRPr lang="en-US" altLang="pt-BR"/>
+            <a:endParaRPr lang="pt-BR" altLang="en-US" sz="2600"/>
           </a:p>
           <a:p>
             <a:pPr marL="0" indent="0">
               <a:buNone/>
             </a:pPr>
-            <a:endParaRPr lang="en-US" altLang="pt-BR"/>
+            <a:r>
+              <a:rPr lang="en-US" altLang="pt-BR" sz="2600">
+                <a:sym typeface="+mn-ea"/>
+              </a:rPr>
+              <a:t>8- </a:t>
+            </a:r>
+            <a:r>
+              <a:rPr lang="pt-BR" altLang="en-US" sz="2600">
+                <a:sym typeface="+mn-ea"/>
+              </a:rPr>
+              <a:t>Qual o valor total de produtos do snack bar vendidos por dias, meses e anos?</a:t>
+            </a:r>
+            <a:endParaRPr lang="pt-BR" altLang="en-US" sz="2600">
+              <a:sym typeface="+mn-ea"/>
+            </a:endParaRPr>
           </a:p>
           <a:p>
             <a:pPr marL="0" indent="0">
               <a:buNone/>
             </a:pPr>
-            <a:r>
-              <a:rPr lang="en-US" altLang="pt-BR"/>
-              <a:t>Produto: Uma linha da tabela de fato ingresso representa a venda de ingressos por plataforma, em um determinado dia.</a:t>
-            </a:r>
-            <a:endParaRPr lang="en-US" altLang="pt-BR"/>
+            <a:endParaRPr lang="pt-BR" altLang="en-US" sz="2600"/>
           </a:p>
           <a:p>
             <a:pPr marL="0" indent="0">
               <a:buNone/>
             </a:pPr>
-            <a:endParaRPr lang="en-US" altLang="pt-BR"/>
+            <a:r>
+              <a:rPr lang="en-US" altLang="pt-BR" sz="2600">
+                <a:sym typeface="+mn-ea"/>
+              </a:rPr>
+              <a:t>9 - </a:t>
+            </a:r>
+            <a:r>
+              <a:rPr lang="pt-BR" altLang="en-US" sz="2600">
+                <a:sym typeface="+mn-ea"/>
+              </a:rPr>
+              <a:t>Qual o valor total de ingressos vendidos por plataformas em dias, meses e anos?</a:t>
+            </a:r>
+            <a:endParaRPr lang="pt-BR" altLang="en-US" sz="2600">
+              <a:sym typeface="+mn-ea"/>
+            </a:endParaRPr>
           </a:p>
           <a:p>
             <a:pPr marL="0" indent="0">
               <a:buNone/>
             </a:pPr>
-            <a:endParaRPr lang="en-US" altLang="pt-BR"/>
+            <a:endParaRPr lang="pt-BR" altLang="en-US" sz="2600"/>
+          </a:p>
+          <a:p>
+            <a:pPr marL="0" indent="0">
+              <a:buNone/>
+            </a:pPr>
+            <a:r>
+              <a:rPr lang="pt-BR" altLang="en-US" sz="2600">
+                <a:sym typeface="+mn-ea"/>
+              </a:rPr>
+              <a:t>10 </a:t>
+            </a:r>
+            <a:r>
+              <a:rPr lang="en-US" altLang="pt-BR" sz="2600">
+                <a:sym typeface="+mn-ea"/>
+              </a:rPr>
+              <a:t>- </a:t>
+            </a:r>
+            <a:r>
+              <a:rPr lang="pt-BR" altLang="en-US" sz="2600">
+                <a:sym typeface="+mn-ea"/>
+              </a:rPr>
+              <a:t>Qual a quantidade de clientes por determinado bairro, cidade e estado?</a:t>
+            </a:r>
+            <a:endParaRPr lang="pt-BR" altLang="en-US" sz="2600">
+              <a:sym typeface="+mn-ea"/>
+            </a:endParaRPr>
+          </a:p>
+          <a:p>
+            <a:pPr marL="0" indent="0">
+              <a:buNone/>
+            </a:pPr>
+            <a:endParaRPr lang="pt-BR" altLang="en-US" sz="2600">
+              <a:sym typeface="+mn-ea"/>
+            </a:endParaRPr>
+          </a:p>
+          <a:p>
+            <a:pPr marL="0" indent="0">
+              <a:buNone/>
+            </a:pPr>
+            <a:r>
+              <a:rPr lang="pt-BR" altLang="en-US" sz="2600">
+                <a:sym typeface="+mn-ea"/>
+              </a:rPr>
+              <a:t>11 </a:t>
+            </a:r>
+            <a:r>
+              <a:rPr lang="en-US" altLang="pt-BR" sz="2600">
+                <a:sym typeface="+mn-ea"/>
+              </a:rPr>
+              <a:t>- </a:t>
+            </a:r>
+            <a:r>
+              <a:rPr lang="pt-BR" altLang="en-US" sz="2600">
+                <a:sym typeface="+mn-ea"/>
+              </a:rPr>
+              <a:t>Qual o turno que mais vendeu ingressos?</a:t>
+            </a:r>
+            <a:endParaRPr lang="pt-BR" altLang="en-US" sz="2600">
+              <a:sym typeface="+mn-ea"/>
+            </a:endParaRPr>
+          </a:p>
+          <a:p>
+            <a:pPr marL="0" indent="0">
+              <a:buNone/>
+            </a:pPr>
+            <a:endParaRPr lang="pt-BR" altLang="en-US" sz="2600"/>
+          </a:p>
+          <a:p>
+            <a:pPr marL="0" indent="0">
+              <a:buNone/>
+            </a:pPr>
+            <a:r>
+              <a:rPr lang="en-US" altLang="pt-BR" sz="2600">
+                <a:sym typeface="+mn-ea"/>
+              </a:rPr>
+              <a:t>12 - </a:t>
+            </a:r>
+            <a:r>
+              <a:rPr lang="pt-BR" altLang="en-US" sz="2600">
+                <a:sym typeface="+mn-ea"/>
+              </a:rPr>
+              <a:t>Total de clientes por plano utilizado?</a:t>
+            </a:r>
+            <a:endParaRPr lang="pt-BR" altLang="en-US" sz="2600">
+              <a:sym typeface="+mn-ea"/>
+            </a:endParaRPr>
           </a:p>
         </p:txBody>
       </p:sp>
@@ -3814,8 +4323,8 @@
         </p:nvSpPr>
         <p:spPr>
           <a:xfrm>
-            <a:off x="838200" y="-10795"/>
-            <a:ext cx="10515600" cy="946785"/>
+            <a:off x="838200" y="19050"/>
+            <a:ext cx="10515600" cy="962660"/>
           </a:xfrm>
         </p:spPr>
         <p:txBody>
@@ -3823,39 +4332,77 @@
           <a:p>
             <a:pPr algn="ctr"/>
             <a:r>
-              <a:rPr lang="en-US" altLang="pt-BR" sz="3600"/>
-              <a:t>MODELO LÓGICO AMBIENTE OPERACIONAL</a:t>
-            </a:r>
-            <a:endParaRPr lang="en-US" altLang="pt-BR" sz="3600"/>
-          </a:p>
-        </p:txBody>
-      </p:sp>
-      <p:pic>
-        <p:nvPicPr>
-          <p:cNvPr id="4" name="Espaço Reservado para Conteúdo 3" descr="modelo-logico-ambiente"/>
-          <p:cNvPicPr>
-            <a:picLocks noChangeAspect="1"/>
-          </p:cNvPicPr>
+              <a:rPr lang="en-US" altLang="pt-BR"/>
+              <a:t>DEFINIÇÃO DOS FATOS</a:t>
+            </a:r>
+            <a:endParaRPr lang="en-US" altLang="pt-BR"/>
+          </a:p>
+        </p:txBody>
+      </p:sp>
+      <p:sp>
+        <p:nvSpPr>
+          <p:cNvPr id="3" name="Espaço Reservado para Conteúdo 2"/>
+          <p:cNvSpPr>
+            <a:spLocks noGrp="1"/>
+          </p:cNvSpPr>
           <p:nvPr>
             <p:ph idx="1"/>
           </p:nvPr>
-        </p:nvPicPr>
-        <p:blipFill>
-          <a:blip r:embed="rId1"/>
-          <a:stretch>
-            <a:fillRect/>
-          </a:stretch>
-        </p:blipFill>
+        </p:nvSpPr>
         <p:spPr>
           <a:xfrm>
-            <a:off x="837565" y="753110"/>
-            <a:ext cx="10516235" cy="5937250"/>
+            <a:off x="838200" y="1312545"/>
+            <a:ext cx="10515600" cy="5302885"/>
           </a:xfrm>
-          <a:prstGeom prst="rect">
-            <a:avLst/>
-          </a:prstGeom>
         </p:spPr>
-      </p:pic>
+        <p:txBody>
+          <a:bodyPr/>
+          <a:p>
+            <a:pPr marL="0" indent="0">
+              <a:buNone/>
+            </a:pPr>
+            <a:endParaRPr lang="en-US" altLang="pt-BR"/>
+          </a:p>
+          <a:p>
+            <a:pPr marL="0" indent="0">
+              <a:buNone/>
+            </a:pPr>
+            <a:r>
+              <a:rPr lang="en-US" altLang="pt-BR"/>
+              <a:t>Ingresso: Uma linha da tabela de fato produto representa a venda de produtos por plataforma, em um determinado dia.	</a:t>
+            </a:r>
+            <a:endParaRPr lang="en-US" altLang="pt-BR"/>
+          </a:p>
+          <a:p>
+            <a:pPr marL="0" indent="0">
+              <a:buNone/>
+            </a:pPr>
+            <a:endParaRPr lang="en-US" altLang="pt-BR"/>
+          </a:p>
+          <a:p>
+            <a:pPr marL="0" indent="0">
+              <a:buNone/>
+            </a:pPr>
+            <a:r>
+              <a:rPr lang="en-US" altLang="pt-BR"/>
+              <a:t>Produto: Uma linha da tabela de fato ingresso representa a venda de ingressos por plataforma, em um determinado dia.</a:t>
+            </a:r>
+            <a:endParaRPr lang="en-US" altLang="pt-BR"/>
+          </a:p>
+          <a:p>
+            <a:pPr marL="0" indent="0">
+              <a:buNone/>
+            </a:pPr>
+            <a:endParaRPr lang="en-US" altLang="pt-BR"/>
+          </a:p>
+          <a:p>
+            <a:pPr marL="0" indent="0">
+              <a:buNone/>
+            </a:pPr>
+            <a:endParaRPr lang="en-US" altLang="pt-BR"/>
+          </a:p>
+        </p:txBody>
+      </p:sp>
     </p:spTree>
   </p:cSld>
   <p:clrMapOvr>
@@ -3887,7 +4434,7 @@
         <p:spPr>
           <a:xfrm>
             <a:off x="838200" y="-10795"/>
-            <a:ext cx="10515600" cy="946785"/>
+            <a:ext cx="10515600" cy="614680"/>
           </a:xfrm>
         </p:spPr>
         <p:txBody>
@@ -3895,16 +4442,16 @@
           <a:p>
             <a:pPr algn="ctr"/>
             <a:r>
-              <a:rPr lang="en-US" altLang="pt-BR" sz="3600"/>
-              <a:t>MODELO LÓGICO FATO INGRESSO</a:t>
-            </a:r>
-            <a:endParaRPr lang="en-US" altLang="pt-BR" sz="3600"/>
+              <a:rPr lang="en-US" altLang="pt-BR" sz="3200"/>
+              <a:t>MODELO LÓGICO AMBIENTE OPERACIONAL</a:t>
+            </a:r>
+            <a:endParaRPr lang="en-US" altLang="pt-BR" sz="3200"/>
           </a:p>
         </p:txBody>
       </p:sp>
       <p:pic>
         <p:nvPicPr>
-          <p:cNvPr id="5" name="Espaço Reservado para Conteúdo 4" descr="fato-ingresso"/>
+          <p:cNvPr id="4" name="Espaço Reservado para Conteúdo 3" descr="modelo-logico-ambiente"/>
           <p:cNvPicPr>
             <a:picLocks noChangeAspect="1"/>
           </p:cNvPicPr>
@@ -3920,8 +4467,8 @@
         </p:blipFill>
         <p:spPr>
           <a:xfrm>
-            <a:off x="838200" y="662940"/>
-            <a:ext cx="10515600" cy="6118225"/>
+            <a:off x="45085" y="466725"/>
+            <a:ext cx="12101830" cy="6360160"/>
           </a:xfrm>
           <a:prstGeom prst="rect">
             <a:avLst/>
@@ -3959,24 +4506,26 @@
         <p:spPr>
           <a:xfrm>
             <a:off x="838200" y="-10795"/>
-            <a:ext cx="10515600" cy="946785"/>
+            <a:ext cx="10515600" cy="673735"/>
           </a:xfrm>
         </p:spPr>
         <p:txBody>
-          <a:bodyPr/>
+          <a:bodyPr>
+            <a:normAutofit/>
+          </a:bodyPr>
           <a:p>
             <a:pPr algn="ctr"/>
             <a:r>
-              <a:rPr lang="en-US" altLang="pt-BR" sz="3600"/>
-              <a:t>MODELO LÓGICO FATO PRODUTO</a:t>
-            </a:r>
-            <a:endParaRPr lang="en-US" altLang="pt-BR" sz="3600"/>
+              <a:rPr lang="en-US" altLang="pt-BR" sz="3200"/>
+              <a:t>MODELO LÓGICO FATO INGRESSO</a:t>
+            </a:r>
+            <a:endParaRPr lang="en-US" altLang="pt-BR" sz="3200"/>
           </a:p>
         </p:txBody>
       </p:sp>
       <p:pic>
         <p:nvPicPr>
-          <p:cNvPr id="4" name="Espaço Reservado para Conteúdo 3" descr="fato-produto"/>
+          <p:cNvPr id="5" name="Espaço Reservado para Conteúdo 4" descr="fato-ingresso"/>
           <p:cNvPicPr>
             <a:picLocks noChangeAspect="1"/>
           </p:cNvPicPr>
@@ -3992,8 +4541,8 @@
         </p:blipFill>
         <p:spPr>
           <a:xfrm>
-            <a:off x="838200" y="677545"/>
-            <a:ext cx="10516235" cy="6058535"/>
+            <a:off x="1270" y="527050"/>
+            <a:ext cx="12190095" cy="6329045"/>
           </a:xfrm>
           <a:prstGeom prst="rect">
             <a:avLst/>
@@ -4265,4 +4814,263 @@
     </a:ext>
   </a:extLst>
 </a:theme>
+</file>
+
+<file path=ppt/theme/theme2.xml><?xml version="1.0" encoding="utf-8"?>
+<a:theme xmlns:a="http://schemas.openxmlformats.org/drawingml/2006/main" name="Tema do Office">
+  <a:themeElements>
+    <a:clrScheme name="Office">
+      <a:dk1>
+        <a:sysClr val="windowText" lastClr="000000"/>
+      </a:dk1>
+      <a:lt1>
+        <a:sysClr val="window" lastClr="FFFFFF"/>
+      </a:lt1>
+      <a:dk2>
+        <a:srgbClr val="44546A"/>
+      </a:dk2>
+      <a:lt2>
+        <a:srgbClr val="E7E6E6"/>
+      </a:lt2>
+      <a:accent1>
+        <a:srgbClr val="5B9BD5"/>
+      </a:accent1>
+      <a:accent2>
+        <a:srgbClr val="ED7D31"/>
+      </a:accent2>
+      <a:accent3>
+        <a:srgbClr val="A5A5A5"/>
+      </a:accent3>
+      <a:accent4>
+        <a:srgbClr val="FFC000"/>
+      </a:accent4>
+      <a:accent5>
+        <a:srgbClr val="4472C4"/>
+      </a:accent5>
+      <a:accent6>
+        <a:srgbClr val="70AD47"/>
+      </a:accent6>
+      <a:hlink>
+        <a:srgbClr val="0563C1"/>
+      </a:hlink>
+      <a:folHlink>
+        <a:srgbClr val="954F72"/>
+      </a:folHlink>
+    </a:clrScheme>
+    <a:fontScheme name="Office">
+      <a:majorFont>
+        <a:latin typeface="Calibri Light"/>
+        <a:ea typeface=""/>
+        <a:cs typeface=""/>
+        <a:font script="Jpan" typeface="游ゴシック Light"/>
+        <a:font script="Hang" typeface="맑은 고딕"/>
+        <a:font script="Hans" typeface="等线 Light"/>
+        <a:font script="Hant" typeface="新細明體"/>
+        <a:font script="Arab" typeface="Times New Roman"/>
+        <a:font script="Hebr" typeface="Times New Roman"/>
+        <a:font script="Thai" typeface="Angsana New"/>
+        <a:font script="Ethi" typeface="Nyala"/>
+        <a:font script="Beng" typeface="Vrinda"/>
+        <a:font script="Gujr" typeface="Shruti"/>
+        <a:font script="Khmr" typeface="MoolBoran"/>
+        <a:font script="Knda" typeface="Tunga"/>
+        <a:font script="Guru" typeface="Raavi"/>
+        <a:font script="Cans" typeface="Euphemia"/>
+        <a:font script="Cher" typeface="Plantagenet Cherokee"/>
+        <a:font script="Yiii" typeface="Microsoft Yi Baiti"/>
+        <a:font script="Tibt" typeface="Microsoft Himalaya"/>
+        <a:font script="Thaa" typeface="MV Boli"/>
+        <a:font script="Deva" typeface="Mangal"/>
+        <a:font script="Telu" typeface="Gautami"/>
+        <a:font script="Taml" typeface="Latha"/>
+        <a:font script="Syrc" typeface="Estrangelo Edessa"/>
+        <a:font script="Orya" typeface="Kalinga"/>
+        <a:font script="Mlym" typeface="Kartika"/>
+        <a:font script="Laoo" typeface="DokChampa"/>
+        <a:font script="Sinh" typeface="Iskoola Pota"/>
+        <a:font script="Mong" typeface="Mongolian Baiti"/>
+        <a:font script="Viet" typeface="Times New Roman"/>
+        <a:font script="Uigh" typeface="Microsoft Uighur"/>
+        <a:font script="Geor" typeface="Sylfaen"/>
+      </a:majorFont>
+      <a:minorFont>
+        <a:latin typeface="Calibri"/>
+        <a:ea typeface=""/>
+        <a:cs typeface=""/>
+        <a:font script="Jpan" typeface="游ゴシック"/>
+        <a:font script="Hang" typeface="맑은 고딕"/>
+        <a:font script="Hans" typeface="等线"/>
+        <a:font script="Hant" typeface="新細明體"/>
+        <a:font script="Arab" typeface="Arial"/>
+        <a:font script="Hebr" typeface="Arial"/>
+        <a:font script="Thai" typeface="Cordia New"/>
+        <a:font script="Ethi" typeface="Nyala"/>
+        <a:font script="Beng" typeface="Vrinda"/>
+        <a:font script="Gujr" typeface="Shruti"/>
+        <a:font script="Khmr" typeface="DaunPenh"/>
+        <a:font script="Knda" typeface="Tunga"/>
+        <a:font script="Guru" typeface="Raavi"/>
+        <a:font script="Cans" typeface="Euphemia"/>
+        <a:font script="Cher" typeface="Plantagenet Cherokee"/>
+        <a:font script="Yiii" typeface="Microsoft Yi Baiti"/>
+        <a:font script="Tibt" typeface="Microsoft Himalaya"/>
+        <a:font script="Thaa" typeface="MV Boli"/>
+        <a:font script="Deva" typeface="Mangal"/>
+        <a:font script="Telu" typeface="Gautami"/>
+        <a:font script="Taml" typeface="Latha"/>
+        <a:font script="Syrc" typeface="Estrangelo Edessa"/>
+        <a:font script="Orya" typeface="Kalinga"/>
+        <a:font script="Mlym" typeface="Kartika"/>
+        <a:font script="Laoo" typeface="DokChampa"/>
+        <a:font script="Sinh" typeface="Iskoola Pota"/>
+        <a:font script="Mong" typeface="Mongolian Baiti"/>
+        <a:font script="Viet" typeface="Arial"/>
+        <a:font script="Uigh" typeface="Microsoft Uighur"/>
+        <a:font script="Geor" typeface="Sylfaen"/>
+      </a:minorFont>
+    </a:fontScheme>
+    <a:fmtScheme name="Office">
+      <a:fillStyleLst>
+        <a:solidFill>
+          <a:schemeClr val="phClr"/>
+        </a:solidFill>
+        <a:gradFill rotWithShape="1">
+          <a:gsLst>
+            <a:gs pos="0">
+              <a:schemeClr val="phClr">
+                <a:lumMod val="110000"/>
+                <a:satMod val="105000"/>
+                <a:tint val="67000"/>
+              </a:schemeClr>
+            </a:gs>
+            <a:gs pos="50000">
+              <a:schemeClr val="phClr">
+                <a:lumMod val="105000"/>
+                <a:satMod val="103000"/>
+                <a:tint val="73000"/>
+              </a:schemeClr>
+            </a:gs>
+            <a:gs pos="100000">
+              <a:schemeClr val="phClr">
+                <a:lumMod val="105000"/>
+                <a:satMod val="109000"/>
+                <a:tint val="81000"/>
+              </a:schemeClr>
+            </a:gs>
+          </a:gsLst>
+          <a:lin ang="5400000" scaled="0"/>
+        </a:gradFill>
+        <a:gradFill rotWithShape="1">
+          <a:gsLst>
+            <a:gs pos="0">
+              <a:schemeClr val="phClr">
+                <a:satMod val="103000"/>
+                <a:lumMod val="102000"/>
+                <a:tint val="94000"/>
+              </a:schemeClr>
+            </a:gs>
+            <a:gs pos="50000">
+              <a:schemeClr val="phClr">
+                <a:satMod val="110000"/>
+                <a:lumMod val="100000"/>
+                <a:shade val="100000"/>
+              </a:schemeClr>
+            </a:gs>
+            <a:gs pos="100000">
+              <a:schemeClr val="phClr">
+                <a:lumMod val="99000"/>
+                <a:satMod val="120000"/>
+                <a:shade val="78000"/>
+              </a:schemeClr>
+            </a:gs>
+          </a:gsLst>
+          <a:lin ang="5400000" scaled="0"/>
+        </a:gradFill>
+      </a:fillStyleLst>
+      <a:lnStyleLst>
+        <a:ln w="6350" cap="flat" cmpd="sng" algn="ctr">
+          <a:solidFill>
+            <a:schemeClr val="phClr"/>
+          </a:solidFill>
+          <a:prstDash val="solid"/>
+          <a:miter lim="800000"/>
+        </a:ln>
+        <a:ln w="12700" cap="flat" cmpd="sng" algn="ctr">
+          <a:solidFill>
+            <a:schemeClr val="phClr"/>
+          </a:solidFill>
+          <a:prstDash val="solid"/>
+          <a:miter lim="800000"/>
+        </a:ln>
+        <a:ln w="19050" cap="flat" cmpd="sng" algn="ctr">
+          <a:solidFill>
+            <a:schemeClr val="phClr"/>
+          </a:solidFill>
+          <a:prstDash val="solid"/>
+          <a:miter lim="800000"/>
+        </a:ln>
+      </a:lnStyleLst>
+      <a:effectStyleLst>
+        <a:effectStyle>
+          <a:effectLst/>
+        </a:effectStyle>
+        <a:effectStyle>
+          <a:effectLst/>
+        </a:effectStyle>
+        <a:effectStyle>
+          <a:effectLst>
+            <a:outerShdw blurRad="57150" dist="19050" dir="5400000" algn="ctr" rotWithShape="0">
+              <a:srgbClr val="000000">
+                <a:alpha val="63000"/>
+              </a:srgbClr>
+            </a:outerShdw>
+          </a:effectLst>
+        </a:effectStyle>
+      </a:effectStyleLst>
+      <a:bgFillStyleLst>
+        <a:solidFill>
+          <a:schemeClr val="phClr"/>
+        </a:solidFill>
+        <a:solidFill>
+          <a:schemeClr val="phClr">
+            <a:tint val="95000"/>
+            <a:satMod val="170000"/>
+          </a:schemeClr>
+        </a:solidFill>
+        <a:gradFill rotWithShape="1">
+          <a:gsLst>
+            <a:gs pos="0">
+              <a:schemeClr val="phClr">
+                <a:tint val="93000"/>
+                <a:satMod val="150000"/>
+                <a:shade val="98000"/>
+                <a:lumMod val="102000"/>
+              </a:schemeClr>
+            </a:gs>
+            <a:gs pos="50000">
+              <a:schemeClr val="phClr">
+                <a:tint val="98000"/>
+                <a:satMod val="130000"/>
+                <a:shade val="90000"/>
+                <a:lumMod val="103000"/>
+              </a:schemeClr>
+            </a:gs>
+            <a:gs pos="100000">
+              <a:schemeClr val="phClr">
+                <a:shade val="63000"/>
+                <a:satMod val="120000"/>
+              </a:schemeClr>
+            </a:gs>
+          </a:gsLst>
+          <a:lin ang="5400000" scaled="0"/>
+        </a:gradFill>
+      </a:bgFillStyleLst>
+    </a:fmtScheme>
+  </a:themeElements>
+  <a:extLst>
+    <a:ext uri="{05A4C25C-085E-4340-85A3-A5531E510DB2}">
+      <thm15:themeFamily xmlns:thm15="http://schemas.microsoft.com/office/thememl/2012/main" name="Office Theme" id="{62F939B6-93AF-4DB8-9C6B-D6C7DFDC589F}" vid="{4A3C46E8-61CC-4603-A589-7422A47A8E4A}"/>
+    </a:ext>
+  </a:extLst>
+</a:theme>
 </file>